--- a/Documentação/Apresentação 2.0.pptx
+++ b/Documentação/Apresentação 2.0.pptx
@@ -27,12 +27,19 @@
     <p:sldId id="279" r:id="rId21"/>
     <p:sldId id="280" r:id="rId22"/>
     <p:sldId id="281" r:id="rId23"/>
-    <p:sldId id="282" r:id="rId24"/>
-    <p:sldId id="285" r:id="rId25"/>
-    <p:sldId id="286" r:id="rId26"/>
-    <p:sldId id="283" r:id="rId27"/>
-    <p:sldId id="284" r:id="rId28"/>
-    <p:sldId id="275" r:id="rId29"/>
+    <p:sldId id="287" r:id="rId24"/>
+    <p:sldId id="288" r:id="rId25"/>
+    <p:sldId id="289" r:id="rId26"/>
+    <p:sldId id="290" r:id="rId27"/>
+    <p:sldId id="282" r:id="rId28"/>
+    <p:sldId id="291" r:id="rId29"/>
+    <p:sldId id="292" r:id="rId30"/>
+    <p:sldId id="293" r:id="rId31"/>
+    <p:sldId id="285" r:id="rId32"/>
+    <p:sldId id="286" r:id="rId33"/>
+    <p:sldId id="283" r:id="rId34"/>
+    <p:sldId id="284" r:id="rId35"/>
+    <p:sldId id="275" r:id="rId36"/>
   </p:sldIdLst>
   <p:sldSz cx="12192000" cy="6858000"/>
   <p:notesSz cx="6858000" cy="9144000"/>
@@ -6798,6 +6805,2357 @@
       </p:grpSpPr>
       <p:graphicFrame>
         <p:nvGraphicFramePr>
+          <p:cNvPr id="4" name="Tabela 3">
+            <a:extLst>
+              <a:ext uri="{FF2B5EF4-FFF2-40B4-BE49-F238E27FC236}">
+                <a16:creationId xmlns:a16="http://schemas.microsoft.com/office/drawing/2014/main" id="{516E8751-1484-4DE2-9138-73BF4AF68AED}"/>
+              </a:ext>
+            </a:extLst>
+          </p:cNvPr>
+          <p:cNvGraphicFramePr>
+            <a:graphicFrameLocks noGrp="1"/>
+          </p:cNvGraphicFramePr>
+          <p:nvPr>
+            <p:extLst>
+              <p:ext uri="{D42A27DB-BD31-4B8C-83A1-F6EECF244321}">
+                <p14:modId xmlns:p14="http://schemas.microsoft.com/office/powerpoint/2010/main" val="3645507364"/>
+              </p:ext>
+            </p:extLst>
+          </p:nvPr>
+        </p:nvGraphicFramePr>
+        <p:xfrm>
+          <a:off x="2120348" y="64176"/>
+          <a:ext cx="8057322" cy="6304399"/>
+        </p:xfrm>
+        <a:graphic>
+          <a:graphicData uri="http://schemas.openxmlformats.org/drawingml/2006/table">
+            <a:tbl>
+              <a:tblPr firstRow="1" firstCol="1" bandRow="1">
+                <a:tableStyleId>{72833802-FEF1-4C79-8D5D-14CF1EAF98D9}</a:tableStyleId>
+              </a:tblPr>
+              <a:tblGrid>
+                <a:gridCol w="8057322">
+                  <a:extLst>
+                    <a:ext uri="{9D8B030D-6E8A-4147-A177-3AD203B41FA5}">
+                      <a16:colId xmlns:a16="http://schemas.microsoft.com/office/drawing/2014/main" val="3959403266"/>
+                    </a:ext>
+                  </a:extLst>
+                </a:gridCol>
+              </a:tblGrid>
+              <a:tr h="151916">
+                <a:tc>
+                  <a:txBody>
+                    <a:bodyPr/>
+                    <a:lstStyle/>
+                    <a:p>
+                      <a:pPr algn="l">
+                        <a:lnSpc>
+                          <a:spcPts val="1200"/>
+                        </a:lnSpc>
+                        <a:spcAft>
+                          <a:spcPts val="0"/>
+                        </a:spcAft>
+                      </a:pPr>
+                      <a:r>
+                        <a:rPr lang="pt-BR" sz="1200">
+                          <a:effectLst/>
+                        </a:rPr>
+                        <a:t>Caso de Uso: Fazer Pedido (Delivery)</a:t>
+                      </a:r>
+                      <a:endParaRPr lang="en-US" sz="1200">
+                        <a:effectLst/>
+                        <a:latin typeface="Times" panose="02020603050405020304" pitchFamily="18" charset="0"/>
+                        <a:ea typeface="+mn-ea"/>
+                      </a:endParaRPr>
+                    </a:p>
+                  </a:txBody>
+                  <a:tcPr marL="39289" marR="39289" marT="0" marB="0" anchor="ctr"/>
+                </a:tc>
+                <a:extLst>
+                  <a:ext uri="{0D108BD9-81ED-4DB2-BD59-A6C34878D82A}">
+                    <a16:rowId xmlns:a16="http://schemas.microsoft.com/office/drawing/2014/main" val="45517660"/>
+                  </a:ext>
+                </a:extLst>
+              </a:tr>
+              <a:tr h="167226">
+                <a:tc>
+                  <a:txBody>
+                    <a:bodyPr/>
+                    <a:lstStyle/>
+                    <a:p>
+                      <a:pPr algn="l">
+                        <a:lnSpc>
+                          <a:spcPts val="1200"/>
+                        </a:lnSpc>
+                        <a:spcAft>
+                          <a:spcPts val="0"/>
+                        </a:spcAft>
+                      </a:pPr>
+                      <a:r>
+                        <a:rPr lang="pt-BR" sz="1200">
+                          <a:effectLst/>
+                        </a:rPr>
+                        <a:t>Identificação: C1</a:t>
+                      </a:r>
+                      <a:endParaRPr lang="en-US" sz="1200">
+                        <a:effectLst/>
+                        <a:latin typeface="Times" panose="02020603050405020304" pitchFamily="18" charset="0"/>
+                        <a:ea typeface="+mn-ea"/>
+                      </a:endParaRPr>
+                    </a:p>
+                  </a:txBody>
+                  <a:tcPr marL="39289" marR="39289" marT="0" marB="0" anchor="ctr"/>
+                </a:tc>
+                <a:extLst>
+                  <a:ext uri="{0D108BD9-81ED-4DB2-BD59-A6C34878D82A}">
+                    <a16:rowId xmlns:a16="http://schemas.microsoft.com/office/drawing/2014/main" val="43785404"/>
+                  </a:ext>
+                </a:extLst>
+              </a:tr>
+              <a:tr h="674733">
+                <a:tc>
+                  <a:txBody>
+                    <a:bodyPr/>
+                    <a:lstStyle/>
+                    <a:p>
+                      <a:pPr algn="l">
+                        <a:lnSpc>
+                          <a:spcPts val="1200"/>
+                        </a:lnSpc>
+                        <a:spcAft>
+                          <a:spcPts val="0"/>
+                        </a:spcAft>
+                      </a:pPr>
+                      <a:r>
+                        <a:rPr lang="pt-BR" sz="1200">
+                          <a:effectLst/>
+                        </a:rPr>
+                        <a:t>Descrição:  O cliente será capaz de realizar pedidos para o restaurante para serem entregues em um local determinado pelo cliente. Este também deverá efetuar o pagamento do pedido, e após a confirmação do pagamento o pedido será enviado para a cozinha do restaurante para que seja feito o preparo do pedido.</a:t>
+                      </a:r>
+                      <a:endParaRPr lang="en-US" sz="1200">
+                        <a:effectLst/>
+                        <a:latin typeface="Times" panose="02020603050405020304" pitchFamily="18" charset="0"/>
+                        <a:ea typeface="+mn-ea"/>
+                      </a:endParaRPr>
+                    </a:p>
+                  </a:txBody>
+                  <a:tcPr marL="39289" marR="39289" marT="0" marB="0" anchor="ctr"/>
+                </a:tc>
+                <a:extLst>
+                  <a:ext uri="{0D108BD9-81ED-4DB2-BD59-A6C34878D82A}">
+                    <a16:rowId xmlns:a16="http://schemas.microsoft.com/office/drawing/2014/main" val="85521661"/>
+                  </a:ext>
+                </a:extLst>
+              </a:tr>
+              <a:tr h="167226">
+                <a:tc>
+                  <a:txBody>
+                    <a:bodyPr/>
+                    <a:lstStyle/>
+                    <a:p>
+                      <a:pPr algn="l">
+                        <a:lnSpc>
+                          <a:spcPts val="1200"/>
+                        </a:lnSpc>
+                        <a:spcAft>
+                          <a:spcPts val="0"/>
+                        </a:spcAft>
+                      </a:pPr>
+                      <a:r>
+                        <a:rPr lang="pt-BR" sz="1200">
+                          <a:effectLst/>
+                        </a:rPr>
+                        <a:t>Ator(es): Cliente</a:t>
+                      </a:r>
+                      <a:endParaRPr lang="en-US" sz="1200">
+                        <a:effectLst/>
+                        <a:latin typeface="Times" panose="02020603050405020304" pitchFamily="18" charset="0"/>
+                        <a:ea typeface="+mn-ea"/>
+                      </a:endParaRPr>
+                    </a:p>
+                  </a:txBody>
+                  <a:tcPr marL="39289" marR="39289" marT="0" marB="0" anchor="ctr"/>
+                </a:tc>
+                <a:extLst>
+                  <a:ext uri="{0D108BD9-81ED-4DB2-BD59-A6C34878D82A}">
+                    <a16:rowId xmlns:a16="http://schemas.microsoft.com/office/drawing/2014/main" val="3189119066"/>
+                  </a:ext>
+                </a:extLst>
+              </a:tr>
+              <a:tr h="501677">
+                <a:tc>
+                  <a:txBody>
+                    <a:bodyPr/>
+                    <a:lstStyle/>
+                    <a:p>
+                      <a:pPr algn="l">
+                        <a:lnSpc>
+                          <a:spcPts val="1200"/>
+                        </a:lnSpc>
+                        <a:spcAft>
+                          <a:spcPts val="0"/>
+                        </a:spcAft>
+                      </a:pPr>
+                      <a:r>
+                        <a:rPr lang="pt-BR" sz="1200">
+                          <a:effectLst/>
+                        </a:rPr>
+                        <a:t>Pré-Condição: O cliente deverá cadastrar um usuário para acessar o sistema de pedidos de delivery. Os itens para o pedido também deverão estar cadastrados.</a:t>
+                      </a:r>
+                      <a:endParaRPr lang="en-US" sz="1200">
+                        <a:effectLst/>
+                        <a:latin typeface="Times" panose="02020603050405020304" pitchFamily="18" charset="0"/>
+                        <a:ea typeface="+mn-ea"/>
+                      </a:endParaRPr>
+                    </a:p>
+                  </a:txBody>
+                  <a:tcPr marL="39289" marR="39289" marT="0" marB="0" anchor="ctr"/>
+                </a:tc>
+                <a:extLst>
+                  <a:ext uri="{0D108BD9-81ED-4DB2-BD59-A6C34878D82A}">
+                    <a16:rowId xmlns:a16="http://schemas.microsoft.com/office/drawing/2014/main" val="2949691082"/>
+                  </a:ext>
+                </a:extLst>
+              </a:tr>
+              <a:tr h="334451">
+                <a:tc>
+                  <a:txBody>
+                    <a:bodyPr/>
+                    <a:lstStyle/>
+                    <a:p>
+                      <a:pPr algn="l">
+                        <a:lnSpc>
+                          <a:spcPts val="1200"/>
+                        </a:lnSpc>
+                        <a:spcAft>
+                          <a:spcPts val="0"/>
+                        </a:spcAft>
+                      </a:pPr>
+                      <a:r>
+                        <a:rPr lang="pt-BR" sz="1200">
+                          <a:effectLst/>
+                        </a:rPr>
+                        <a:t>Pós-Condição: Após a confirmação do pagamento, o pedido será enviado para a cozinha do restaurante</a:t>
+                      </a:r>
+                      <a:endParaRPr lang="en-US" sz="1200">
+                        <a:effectLst/>
+                        <a:latin typeface="Times" panose="02020603050405020304" pitchFamily="18" charset="0"/>
+                        <a:ea typeface="+mn-ea"/>
+                      </a:endParaRPr>
+                    </a:p>
+                  </a:txBody>
+                  <a:tcPr marL="39289" marR="39289" marT="0" marB="0" anchor="ctr"/>
+                </a:tc>
+                <a:extLst>
+                  <a:ext uri="{0D108BD9-81ED-4DB2-BD59-A6C34878D82A}">
+                    <a16:rowId xmlns:a16="http://schemas.microsoft.com/office/drawing/2014/main" val="3430002143"/>
+                  </a:ext>
+                </a:extLst>
+              </a:tr>
+              <a:tr h="2451503">
+                <a:tc>
+                  <a:txBody>
+                    <a:bodyPr/>
+                    <a:lstStyle/>
+                    <a:p>
+                      <a:pPr algn="l">
+                        <a:lnSpc>
+                          <a:spcPts val="1200"/>
+                        </a:lnSpc>
+                        <a:spcAft>
+                          <a:spcPts val="0"/>
+                        </a:spcAft>
+                      </a:pPr>
+                      <a:r>
+                        <a:rPr lang="pt-BR" sz="1200" dirty="0">
+                          <a:effectLst/>
+                        </a:rPr>
+                        <a:t>Curso Normal: </a:t>
+                      </a:r>
+                      <a:endParaRPr lang="en-US" sz="1200" dirty="0">
+                        <a:effectLst/>
+                      </a:endParaRPr>
+                    </a:p>
+                    <a:p>
+                      <a:pPr marL="342900" lvl="0" indent="-342900" algn="l">
+                        <a:lnSpc>
+                          <a:spcPct val="106000"/>
+                        </a:lnSpc>
+                        <a:spcAft>
+                          <a:spcPts val="0"/>
+                        </a:spcAft>
+                        <a:buFont typeface="+mj-lt"/>
+                        <a:buAutoNum type="arabicPeriod"/>
+                      </a:pPr>
+                      <a:r>
+                        <a:rPr lang="pt-BR" sz="1200" dirty="0">
+                          <a:effectLst/>
+                        </a:rPr>
+                        <a:t>O Cliente deverá acessar o site do restaurante e acessar o link para entrar no sistema.</a:t>
+                      </a:r>
+                      <a:endParaRPr lang="en-US" sz="1100" dirty="0">
+                        <a:effectLst/>
+                      </a:endParaRPr>
+                    </a:p>
+                    <a:p>
+                      <a:pPr marL="342900" lvl="0" indent="-342900" algn="l">
+                        <a:lnSpc>
+                          <a:spcPct val="106000"/>
+                        </a:lnSpc>
+                        <a:spcAft>
+                          <a:spcPts val="0"/>
+                        </a:spcAft>
+                        <a:buFont typeface="+mj-lt"/>
+                        <a:buAutoNum type="arabicPeriod"/>
+                      </a:pPr>
+                      <a:r>
+                        <a:rPr lang="pt-BR" sz="1200" dirty="0">
+                          <a:effectLst/>
+                        </a:rPr>
+                        <a:t>O Cliente deverá se </a:t>
+                      </a:r>
+                      <a:r>
+                        <a:rPr lang="pt-BR" sz="1200" dirty="0" err="1">
+                          <a:effectLst/>
+                        </a:rPr>
+                        <a:t>logar</a:t>
+                      </a:r>
+                      <a:r>
+                        <a:rPr lang="pt-BR" sz="1200" dirty="0">
+                          <a:effectLst/>
+                        </a:rPr>
+                        <a:t> no sistema, através do seu usuário e senha, caso não tenha um usuário cadastrado, deverá fazer um cadastro para acessar o sistema.</a:t>
+                      </a:r>
+                      <a:endParaRPr lang="en-US" sz="1100" dirty="0">
+                        <a:effectLst/>
+                      </a:endParaRPr>
+                    </a:p>
+                    <a:p>
+                      <a:pPr marL="342900" lvl="0" indent="-342900" algn="l">
+                        <a:lnSpc>
+                          <a:spcPct val="106000"/>
+                        </a:lnSpc>
+                        <a:spcAft>
+                          <a:spcPts val="0"/>
+                        </a:spcAft>
+                        <a:buFont typeface="+mj-lt"/>
+                        <a:buAutoNum type="arabicPeriod"/>
+                      </a:pPr>
+                      <a:r>
+                        <a:rPr lang="pt-BR" sz="1200" dirty="0">
+                          <a:effectLst/>
+                        </a:rPr>
+                        <a:t>Após </a:t>
+                      </a:r>
+                      <a:r>
+                        <a:rPr lang="pt-BR" sz="1200" dirty="0" err="1">
+                          <a:effectLst/>
+                        </a:rPr>
+                        <a:t>Logar-se</a:t>
+                      </a:r>
+                      <a:r>
+                        <a:rPr lang="pt-BR" sz="1200" dirty="0">
+                          <a:effectLst/>
+                        </a:rPr>
+                        <a:t> no sistema o usuário deverá ir na opção novo Pedido.</a:t>
+                      </a:r>
+                      <a:endParaRPr lang="en-US" sz="1100" dirty="0">
+                        <a:effectLst/>
+                      </a:endParaRPr>
+                    </a:p>
+                    <a:p>
+                      <a:pPr marL="342900" lvl="0" indent="-342900" algn="l">
+                        <a:lnSpc>
+                          <a:spcPct val="106000"/>
+                        </a:lnSpc>
+                        <a:spcAft>
+                          <a:spcPts val="0"/>
+                        </a:spcAft>
+                        <a:buFont typeface="+mj-lt"/>
+                        <a:buAutoNum type="arabicPeriod"/>
+                      </a:pPr>
+                      <a:r>
+                        <a:rPr lang="pt-BR" sz="1200" dirty="0">
+                          <a:effectLst/>
+                        </a:rPr>
+                        <a:t>O usuário informará os itens que deseja para o pedido.</a:t>
+                      </a:r>
+                      <a:endParaRPr lang="en-US" sz="1100" dirty="0">
+                        <a:effectLst/>
+                      </a:endParaRPr>
+                    </a:p>
+                    <a:p>
+                      <a:pPr marL="342900" lvl="0" indent="-342900" algn="l">
+                        <a:lnSpc>
+                          <a:spcPct val="106000"/>
+                        </a:lnSpc>
+                        <a:spcAft>
+                          <a:spcPts val="0"/>
+                        </a:spcAft>
+                        <a:buFont typeface="+mj-lt"/>
+                        <a:buAutoNum type="arabicPeriod"/>
+                      </a:pPr>
+                      <a:r>
+                        <a:rPr lang="pt-BR" sz="1200" dirty="0">
+                          <a:effectLst/>
+                        </a:rPr>
+                        <a:t>Após relacionar todos os itens desejados no pedido o usuário clica em avançar.</a:t>
+                      </a:r>
+                      <a:endParaRPr lang="en-US" sz="1100" dirty="0">
+                        <a:effectLst/>
+                      </a:endParaRPr>
+                    </a:p>
+                    <a:p>
+                      <a:pPr marL="342900" lvl="0" indent="-342900" algn="l">
+                        <a:lnSpc>
+                          <a:spcPct val="106000"/>
+                        </a:lnSpc>
+                        <a:spcAft>
+                          <a:spcPts val="0"/>
+                        </a:spcAft>
+                        <a:buFont typeface="+mj-lt"/>
+                        <a:buAutoNum type="arabicPeriod"/>
+                      </a:pPr>
+                      <a:r>
+                        <a:rPr lang="pt-BR" sz="1200" dirty="0">
+                          <a:effectLst/>
+                        </a:rPr>
+                        <a:t>O usuário deverá informar o endereço de entrega. (Caso seja um endereço diferente do endereço cadastrado).</a:t>
+                      </a:r>
+                      <a:endParaRPr lang="en-US" sz="1100" dirty="0">
+                        <a:effectLst/>
+                      </a:endParaRPr>
+                    </a:p>
+                    <a:p>
+                      <a:pPr marL="342900" lvl="0" indent="-342900" algn="l">
+                        <a:lnSpc>
+                          <a:spcPct val="106000"/>
+                        </a:lnSpc>
+                        <a:spcAft>
+                          <a:spcPts val="0"/>
+                        </a:spcAft>
+                        <a:buFont typeface="+mj-lt"/>
+                        <a:buAutoNum type="arabicPeriod"/>
+                      </a:pPr>
+                      <a:r>
+                        <a:rPr lang="pt-BR" sz="1200" dirty="0">
+                          <a:effectLst/>
+                        </a:rPr>
+                        <a:t>O usuário terá uma relação de itens do pedido, e também o valor do pedido.</a:t>
+                      </a:r>
+                      <a:endParaRPr lang="en-US" sz="1100" dirty="0">
+                        <a:effectLst/>
+                      </a:endParaRPr>
+                    </a:p>
+                    <a:p>
+                      <a:pPr marL="342900" lvl="0" indent="-342900" algn="l">
+                        <a:lnSpc>
+                          <a:spcPct val="106000"/>
+                        </a:lnSpc>
+                        <a:spcAft>
+                          <a:spcPts val="0"/>
+                        </a:spcAft>
+                        <a:buFont typeface="+mj-lt"/>
+                        <a:buAutoNum type="arabicPeriod"/>
+                      </a:pPr>
+                      <a:r>
+                        <a:rPr lang="pt-BR" sz="1200" dirty="0">
+                          <a:effectLst/>
+                        </a:rPr>
+                        <a:t>Deverá informar os dados do cartão de crédito, e clicar em finalizar</a:t>
+                      </a:r>
+                      <a:endParaRPr lang="en-US" sz="1100" dirty="0">
+                        <a:effectLst/>
+                      </a:endParaRPr>
+                    </a:p>
+                    <a:p>
+                      <a:pPr marL="342900" lvl="0" indent="-342900" algn="l">
+                        <a:lnSpc>
+                          <a:spcPct val="106000"/>
+                        </a:lnSpc>
+                        <a:spcAft>
+                          <a:spcPts val="0"/>
+                        </a:spcAft>
+                        <a:buFont typeface="+mj-lt"/>
+                        <a:buAutoNum type="arabicPeriod"/>
+                      </a:pPr>
+                      <a:r>
+                        <a:rPr lang="pt-BR" sz="1200" dirty="0">
+                          <a:effectLst/>
+                        </a:rPr>
+                        <a:t>Após a confirmação do Pedido o usuário poderá acompanhar o pedido pela tela de acompanhamento de pedidos.</a:t>
+                      </a:r>
+                      <a:endParaRPr lang="en-US" sz="1100" dirty="0">
+                        <a:effectLst/>
+                      </a:endParaRPr>
+                    </a:p>
+                    <a:p>
+                      <a:pPr marL="342900" lvl="0" indent="-342900" algn="l">
+                        <a:lnSpc>
+                          <a:spcPct val="106000"/>
+                        </a:lnSpc>
+                        <a:spcAft>
+                          <a:spcPts val="0"/>
+                        </a:spcAft>
+                        <a:buFont typeface="+mj-lt"/>
+                        <a:buAutoNum type="arabicPeriod"/>
+                      </a:pPr>
+                      <a:r>
+                        <a:rPr lang="pt-BR" sz="1200" dirty="0">
+                          <a:effectLst/>
+                        </a:rPr>
+                        <a:t>O Pedido será enviado para a cozinha para o preparo.</a:t>
+                      </a:r>
+                      <a:endParaRPr lang="en-US" sz="1100" dirty="0">
+                        <a:effectLst/>
+                      </a:endParaRPr>
+                    </a:p>
+                    <a:p>
+                      <a:pPr marL="342900" lvl="0" indent="-342900" algn="l">
+                        <a:lnSpc>
+                          <a:spcPct val="106000"/>
+                        </a:lnSpc>
+                        <a:spcAft>
+                          <a:spcPts val="0"/>
+                        </a:spcAft>
+                        <a:buFont typeface="+mj-lt"/>
+                        <a:buAutoNum type="arabicPeriod"/>
+                      </a:pPr>
+                      <a:r>
+                        <a:rPr lang="pt-BR" sz="1200" dirty="0">
+                          <a:effectLst/>
+                        </a:rPr>
+                        <a:t>A cozinha finalizará o pedido e estará entregue.</a:t>
+                      </a:r>
+                      <a:endParaRPr lang="en-US" sz="1100" dirty="0">
+                        <a:effectLst/>
+                        <a:latin typeface="Calibri" panose="020F0502020204030204" pitchFamily="34" charset="0"/>
+                        <a:ea typeface="+mn-ea"/>
+                        <a:cs typeface="Times New Roman" panose="02020603050405020304" pitchFamily="18" charset="0"/>
+                      </a:endParaRPr>
+                    </a:p>
+                  </a:txBody>
+                  <a:tcPr marL="39289" marR="39289" marT="0" marB="0" anchor="ctr"/>
+                </a:tc>
+                <a:extLst>
+                  <a:ext uri="{0D108BD9-81ED-4DB2-BD59-A6C34878D82A}">
+                    <a16:rowId xmlns:a16="http://schemas.microsoft.com/office/drawing/2014/main" val="2464599880"/>
+                  </a:ext>
+                </a:extLst>
+              </a:tr>
+              <a:tr h="1834884">
+                <a:tc>
+                  <a:txBody>
+                    <a:bodyPr/>
+                    <a:lstStyle/>
+                    <a:p>
+                      <a:pPr algn="l">
+                        <a:lnSpc>
+                          <a:spcPts val="1200"/>
+                        </a:lnSpc>
+                        <a:spcAft>
+                          <a:spcPts val="0"/>
+                        </a:spcAft>
+                      </a:pPr>
+                      <a:r>
+                        <a:rPr lang="pt-BR" sz="1200" dirty="0">
+                          <a:effectLst/>
+                        </a:rPr>
+                        <a:t>Tratamento de Exceções:</a:t>
+                      </a:r>
+                      <a:endParaRPr lang="en-US" sz="1200" dirty="0">
+                        <a:effectLst/>
+                      </a:endParaRPr>
+                    </a:p>
+                    <a:p>
+                      <a:pPr marL="342900" lvl="0" indent="-342900" algn="l">
+                        <a:lnSpc>
+                          <a:spcPct val="106000"/>
+                        </a:lnSpc>
+                        <a:spcAft>
+                          <a:spcPts val="0"/>
+                        </a:spcAft>
+                        <a:buFont typeface="+mj-lt"/>
+                        <a:buAutoNum type="arabicPeriod"/>
+                      </a:pPr>
+                      <a:r>
+                        <a:rPr lang="pt-BR" sz="1200" dirty="0">
+                          <a:effectLst/>
+                        </a:rPr>
+                        <a:t>Usuário entra com Login / Senha errado:</a:t>
+                      </a:r>
+                      <a:endParaRPr lang="en-US" sz="1100" dirty="0">
+                        <a:effectLst/>
+                      </a:endParaRPr>
+                    </a:p>
+                    <a:p>
+                      <a:pPr marL="742950" lvl="1" indent="-285750" algn="l">
+                        <a:lnSpc>
+                          <a:spcPct val="106000"/>
+                        </a:lnSpc>
+                        <a:spcAft>
+                          <a:spcPts val="0"/>
+                        </a:spcAft>
+                        <a:buFont typeface="+mj-lt"/>
+                        <a:buAutoNum type="arabicPeriod"/>
+                      </a:pPr>
+                      <a:r>
+                        <a:rPr lang="pt-BR" sz="1200" dirty="0">
+                          <a:effectLst/>
+                        </a:rPr>
+                        <a:t>Sistema emite mensagem de erro e solicita os dados de login novamente</a:t>
+                      </a:r>
+                      <a:endParaRPr lang="en-US" sz="1100" dirty="0">
+                        <a:effectLst/>
+                      </a:endParaRPr>
+                    </a:p>
+                    <a:p>
+                      <a:pPr marL="342900" lvl="0" indent="-342900" algn="l">
+                        <a:lnSpc>
+                          <a:spcPct val="106000"/>
+                        </a:lnSpc>
+                        <a:spcAft>
+                          <a:spcPts val="0"/>
+                        </a:spcAft>
+                        <a:buFont typeface="+mj-lt"/>
+                        <a:buAutoNum type="arabicPeriod"/>
+                      </a:pPr>
+                      <a:r>
+                        <a:rPr lang="pt-BR" sz="1200" dirty="0">
+                          <a:effectLst/>
+                        </a:rPr>
+                        <a:t>Usuário clica em avançar sem ter itens para o pedido:</a:t>
+                      </a:r>
+                      <a:endParaRPr lang="en-US" sz="1100" dirty="0">
+                        <a:effectLst/>
+                      </a:endParaRPr>
+                    </a:p>
+                    <a:p>
+                      <a:pPr marL="742950" lvl="1" indent="-285750" algn="l">
+                        <a:lnSpc>
+                          <a:spcPct val="106000"/>
+                        </a:lnSpc>
+                        <a:spcAft>
+                          <a:spcPts val="0"/>
+                        </a:spcAft>
+                        <a:buFont typeface="+mj-lt"/>
+                        <a:buAutoNum type="arabicPeriod"/>
+                      </a:pPr>
+                      <a:r>
+                        <a:rPr lang="pt-BR" sz="1200" dirty="0">
+                          <a:effectLst/>
+                        </a:rPr>
+                        <a:t>Sistema emite mensagem solicitando para que pelo menos 1 item seja selecionado.</a:t>
+                      </a:r>
+                      <a:endParaRPr lang="en-US" sz="1100" dirty="0">
+                        <a:effectLst/>
+                      </a:endParaRPr>
+                    </a:p>
+                    <a:p>
+                      <a:pPr marL="342900" lvl="0" indent="-342900" algn="l">
+                        <a:lnSpc>
+                          <a:spcPct val="106000"/>
+                        </a:lnSpc>
+                        <a:spcAft>
+                          <a:spcPts val="0"/>
+                        </a:spcAft>
+                        <a:buFont typeface="+mj-lt"/>
+                        <a:buAutoNum type="arabicPeriod"/>
+                      </a:pPr>
+                      <a:r>
+                        <a:rPr lang="pt-BR" sz="1200" dirty="0">
+                          <a:effectLst/>
+                        </a:rPr>
+                        <a:t>Usuário informa cartão de crédito inválido:</a:t>
+                      </a:r>
+                      <a:endParaRPr lang="en-US" sz="1100" dirty="0">
+                        <a:effectLst/>
+                      </a:endParaRPr>
+                    </a:p>
+                    <a:p>
+                      <a:pPr marL="742950" lvl="1" indent="-285750" algn="l">
+                        <a:lnSpc>
+                          <a:spcPct val="106000"/>
+                        </a:lnSpc>
+                        <a:spcAft>
+                          <a:spcPts val="0"/>
+                        </a:spcAft>
+                        <a:buFont typeface="+mj-lt"/>
+                        <a:buAutoNum type="arabicPeriod"/>
+                      </a:pPr>
+                      <a:r>
+                        <a:rPr lang="pt-BR" sz="1200" dirty="0">
+                          <a:effectLst/>
+                        </a:rPr>
+                        <a:t>Pedido continua como pendente e sistema solicita que usuário informe um novo cartão de crédito.</a:t>
+                      </a:r>
+                      <a:endParaRPr lang="en-US" sz="1100" dirty="0">
+                        <a:effectLst/>
+                      </a:endParaRPr>
+                    </a:p>
+                    <a:p>
+                      <a:pPr marL="342900" lvl="0" indent="-342900" algn="l">
+                        <a:lnSpc>
+                          <a:spcPct val="106000"/>
+                        </a:lnSpc>
+                        <a:spcAft>
+                          <a:spcPts val="0"/>
+                        </a:spcAft>
+                        <a:buFont typeface="+mj-lt"/>
+                        <a:buAutoNum type="arabicPeriod"/>
+                      </a:pPr>
+                      <a:r>
+                        <a:rPr lang="pt-BR" sz="1200" dirty="0">
+                          <a:effectLst/>
+                        </a:rPr>
+                        <a:t>Usuário tenta cancelar um pedido que já está sendo preparado:</a:t>
+                      </a:r>
+                      <a:endParaRPr lang="en-US" sz="1100" dirty="0">
+                        <a:effectLst/>
+                      </a:endParaRPr>
+                    </a:p>
+                    <a:p>
+                      <a:pPr marL="457200" algn="l">
+                        <a:lnSpc>
+                          <a:spcPct val="106000"/>
+                        </a:lnSpc>
+                        <a:spcAft>
+                          <a:spcPts val="0"/>
+                        </a:spcAft>
+                      </a:pPr>
+                      <a:r>
+                        <a:rPr lang="pt-BR" sz="1200" dirty="0">
+                          <a:effectLst/>
+                        </a:rPr>
+                        <a:t>4.1 Sistema informa o usuário que pedidos que já estão sendo feitos não podem ser cancelados.</a:t>
+                      </a:r>
+                      <a:endParaRPr lang="en-US" sz="1100" dirty="0">
+                        <a:effectLst/>
+                        <a:latin typeface="Calibri" panose="020F0502020204030204" pitchFamily="34" charset="0"/>
+                        <a:ea typeface="+mn-ea"/>
+                        <a:cs typeface="Times New Roman" panose="02020603050405020304" pitchFamily="18" charset="0"/>
+                      </a:endParaRPr>
+                    </a:p>
+                  </a:txBody>
+                  <a:tcPr marL="39289" marR="39289" marT="0" marB="0" anchor="ctr"/>
+                </a:tc>
+                <a:extLst>
+                  <a:ext uri="{0D108BD9-81ED-4DB2-BD59-A6C34878D82A}">
+                    <a16:rowId xmlns:a16="http://schemas.microsoft.com/office/drawing/2014/main" val="4233127008"/>
+                  </a:ext>
+                </a:extLst>
+              </a:tr>
+            </a:tbl>
+          </a:graphicData>
+        </a:graphic>
+      </p:graphicFrame>
+    </p:spTree>
+    <p:extLst>
+      <p:ext uri="{BB962C8B-B14F-4D97-AF65-F5344CB8AC3E}">
+        <p14:creationId xmlns:p14="http://schemas.microsoft.com/office/powerpoint/2010/main" val="3658267715"/>
+      </p:ext>
+    </p:extLst>
+  </p:cSld>
+  <p:clrMapOvr>
+    <a:masterClrMapping/>
+  </p:clrMapOvr>
+</p:sld>
+</file>
+
+<file path=ppt/slides/slide24.xml><?xml version="1.0" encoding="utf-8"?>
+<p:sld xmlns:a="http://schemas.openxmlformats.org/drawingml/2006/main" xmlns:r="http://schemas.openxmlformats.org/officeDocument/2006/relationships" xmlns:p="http://schemas.openxmlformats.org/presentationml/2006/main">
+  <p:cSld>
+    <p:spTree>
+      <p:nvGrpSpPr>
+        <p:cNvPr id="1" name=""/>
+        <p:cNvGrpSpPr/>
+        <p:nvPr/>
+      </p:nvGrpSpPr>
+      <p:grpSpPr>
+        <a:xfrm>
+          <a:off x="0" y="0"/>
+          <a:ext cx="0" cy="0"/>
+          <a:chOff x="0" y="0"/>
+          <a:chExt cx="0" cy="0"/>
+        </a:xfrm>
+      </p:grpSpPr>
+      <p:graphicFrame>
+        <p:nvGraphicFramePr>
+          <p:cNvPr id="4" name="Tabela 3">
+            <a:extLst>
+              <a:ext uri="{FF2B5EF4-FFF2-40B4-BE49-F238E27FC236}">
+                <a16:creationId xmlns:a16="http://schemas.microsoft.com/office/drawing/2014/main" id="{FE2CF224-358E-48FA-A5A7-43F10E5748D2}"/>
+              </a:ext>
+            </a:extLst>
+          </p:cNvPr>
+          <p:cNvGraphicFramePr>
+            <a:graphicFrameLocks noGrp="1"/>
+          </p:cNvGraphicFramePr>
+          <p:nvPr>
+            <p:extLst>
+              <p:ext uri="{D42A27DB-BD31-4B8C-83A1-F6EECF244321}">
+                <p14:modId xmlns:p14="http://schemas.microsoft.com/office/powerpoint/2010/main" val="2626882579"/>
+              </p:ext>
+            </p:extLst>
+          </p:nvPr>
+        </p:nvGraphicFramePr>
+        <p:xfrm>
+          <a:off x="2160104" y="702366"/>
+          <a:ext cx="7020574" cy="4650776"/>
+        </p:xfrm>
+        <a:graphic>
+          <a:graphicData uri="http://schemas.openxmlformats.org/drawingml/2006/table">
+            <a:tbl>
+              <a:tblPr firstRow="1" firstCol="1" bandRow="1">
+                <a:tableStyleId>{9DCAF9ED-07DC-4A11-8D7F-57B35C25682E}</a:tableStyleId>
+              </a:tblPr>
+              <a:tblGrid>
+                <a:gridCol w="7020574">
+                  <a:extLst>
+                    <a:ext uri="{9D8B030D-6E8A-4147-A177-3AD203B41FA5}">
+                      <a16:colId xmlns:a16="http://schemas.microsoft.com/office/drawing/2014/main" val="3012847953"/>
+                    </a:ext>
+                  </a:extLst>
+                </a:gridCol>
+              </a:tblGrid>
+              <a:tr h="211063">
+                <a:tc>
+                  <a:txBody>
+                    <a:bodyPr/>
+                    <a:lstStyle/>
+                    <a:p>
+                      <a:pPr>
+                        <a:lnSpc>
+                          <a:spcPts val="1200"/>
+                        </a:lnSpc>
+                        <a:spcAft>
+                          <a:spcPts val="0"/>
+                        </a:spcAft>
+                      </a:pPr>
+                      <a:r>
+                        <a:rPr lang="pt-BR" sz="1600" dirty="0">
+                          <a:effectLst/>
+                        </a:rPr>
+                        <a:t>Caso de Uso: Pagar conta do salão</a:t>
+                      </a:r>
+                      <a:endParaRPr lang="en-US" sz="1600" dirty="0">
+                        <a:effectLst/>
+                        <a:latin typeface="Times" panose="02020603050405020304" pitchFamily="18" charset="0"/>
+                        <a:ea typeface="Times New Roman" panose="02020603050405020304" pitchFamily="18" charset="0"/>
+                      </a:endParaRPr>
+                    </a:p>
+                  </a:txBody>
+                  <a:tcPr marL="68580" marR="68580" marT="0" marB="0" anchor="ctr"/>
+                </a:tc>
+                <a:extLst>
+                  <a:ext uri="{0D108BD9-81ED-4DB2-BD59-A6C34878D82A}">
+                    <a16:rowId xmlns:a16="http://schemas.microsoft.com/office/drawing/2014/main" val="4127183962"/>
+                  </a:ext>
+                </a:extLst>
+              </a:tr>
+              <a:tr h="211063">
+                <a:tc>
+                  <a:txBody>
+                    <a:bodyPr/>
+                    <a:lstStyle/>
+                    <a:p>
+                      <a:pPr>
+                        <a:lnSpc>
+                          <a:spcPts val="1200"/>
+                        </a:lnSpc>
+                        <a:spcAft>
+                          <a:spcPts val="0"/>
+                        </a:spcAft>
+                      </a:pPr>
+                      <a:r>
+                        <a:rPr lang="pt-BR" sz="1600">
+                          <a:effectLst/>
+                        </a:rPr>
+                        <a:t>Identificação: C2</a:t>
+                      </a:r>
+                      <a:endParaRPr lang="en-US" sz="1600">
+                        <a:effectLst/>
+                        <a:latin typeface="Times" panose="02020603050405020304" pitchFamily="18" charset="0"/>
+                        <a:ea typeface="Times New Roman" panose="02020603050405020304" pitchFamily="18" charset="0"/>
+                      </a:endParaRPr>
+                    </a:p>
+                  </a:txBody>
+                  <a:tcPr marL="68580" marR="68580" marT="0" marB="0" anchor="ctr"/>
+                </a:tc>
+                <a:extLst>
+                  <a:ext uri="{0D108BD9-81ED-4DB2-BD59-A6C34878D82A}">
+                    <a16:rowId xmlns:a16="http://schemas.microsoft.com/office/drawing/2014/main" val="2590310466"/>
+                  </a:ext>
+                </a:extLst>
+              </a:tr>
+              <a:tr h="633188">
+                <a:tc>
+                  <a:txBody>
+                    <a:bodyPr/>
+                    <a:lstStyle/>
+                    <a:p>
+                      <a:pPr>
+                        <a:lnSpc>
+                          <a:spcPts val="1200"/>
+                        </a:lnSpc>
+                        <a:spcAft>
+                          <a:spcPts val="0"/>
+                        </a:spcAft>
+                      </a:pPr>
+                      <a:r>
+                        <a:rPr lang="pt-BR" sz="1600">
+                          <a:effectLst/>
+                        </a:rPr>
+                        <a:t>Descrição:  O cliente solicitará o encerramento de sua conta para o garçom. Após receber a comanda impressa o cliente irá fazer o pagamento do seus pedidos</a:t>
+                      </a:r>
+                      <a:endParaRPr lang="en-US" sz="1600">
+                        <a:effectLst/>
+                        <a:latin typeface="Times" panose="02020603050405020304" pitchFamily="18" charset="0"/>
+                        <a:ea typeface="Times New Roman" panose="02020603050405020304" pitchFamily="18" charset="0"/>
+                      </a:endParaRPr>
+                    </a:p>
+                  </a:txBody>
+                  <a:tcPr marL="68580" marR="68580" marT="0" marB="0" anchor="ctr"/>
+                </a:tc>
+                <a:extLst>
+                  <a:ext uri="{0D108BD9-81ED-4DB2-BD59-A6C34878D82A}">
+                    <a16:rowId xmlns:a16="http://schemas.microsoft.com/office/drawing/2014/main" val="2299039421"/>
+                  </a:ext>
+                </a:extLst>
+              </a:tr>
+              <a:tr h="211063">
+                <a:tc>
+                  <a:txBody>
+                    <a:bodyPr/>
+                    <a:lstStyle/>
+                    <a:p>
+                      <a:pPr>
+                        <a:lnSpc>
+                          <a:spcPts val="1200"/>
+                        </a:lnSpc>
+                        <a:spcAft>
+                          <a:spcPts val="0"/>
+                        </a:spcAft>
+                      </a:pPr>
+                      <a:r>
+                        <a:rPr lang="pt-BR" sz="1600">
+                          <a:effectLst/>
+                        </a:rPr>
+                        <a:t>Ator(res): Cliente</a:t>
+                      </a:r>
+                      <a:endParaRPr lang="en-US" sz="1600">
+                        <a:effectLst/>
+                        <a:latin typeface="Times" panose="02020603050405020304" pitchFamily="18" charset="0"/>
+                        <a:ea typeface="Times New Roman" panose="02020603050405020304" pitchFamily="18" charset="0"/>
+                      </a:endParaRPr>
+                    </a:p>
+                  </a:txBody>
+                  <a:tcPr marL="68580" marR="68580" marT="0" marB="0" anchor="ctr"/>
+                </a:tc>
+                <a:extLst>
+                  <a:ext uri="{0D108BD9-81ED-4DB2-BD59-A6C34878D82A}">
+                    <a16:rowId xmlns:a16="http://schemas.microsoft.com/office/drawing/2014/main" val="369815794"/>
+                  </a:ext>
+                </a:extLst>
+              </a:tr>
+              <a:tr h="211063">
+                <a:tc>
+                  <a:txBody>
+                    <a:bodyPr/>
+                    <a:lstStyle/>
+                    <a:p>
+                      <a:pPr>
+                        <a:lnSpc>
+                          <a:spcPts val="1200"/>
+                        </a:lnSpc>
+                        <a:spcAft>
+                          <a:spcPts val="0"/>
+                        </a:spcAft>
+                      </a:pPr>
+                      <a:r>
+                        <a:rPr lang="pt-BR" sz="1600">
+                          <a:effectLst/>
+                        </a:rPr>
+                        <a:t>Pré-Condição: Os pedidos do cliente devem estar finalizados</a:t>
+                      </a:r>
+                      <a:endParaRPr lang="en-US" sz="1600">
+                        <a:effectLst/>
+                        <a:latin typeface="Times" panose="02020603050405020304" pitchFamily="18" charset="0"/>
+                        <a:ea typeface="Times New Roman" panose="02020603050405020304" pitchFamily="18" charset="0"/>
+                      </a:endParaRPr>
+                    </a:p>
+                  </a:txBody>
+                  <a:tcPr marL="68580" marR="68580" marT="0" marB="0" anchor="ctr"/>
+                </a:tc>
+                <a:extLst>
+                  <a:ext uri="{0D108BD9-81ED-4DB2-BD59-A6C34878D82A}">
+                    <a16:rowId xmlns:a16="http://schemas.microsoft.com/office/drawing/2014/main" val="3034159402"/>
+                  </a:ext>
+                </a:extLst>
+              </a:tr>
+              <a:tr h="211063">
+                <a:tc>
+                  <a:txBody>
+                    <a:bodyPr/>
+                    <a:lstStyle/>
+                    <a:p>
+                      <a:pPr>
+                        <a:lnSpc>
+                          <a:spcPts val="1200"/>
+                        </a:lnSpc>
+                        <a:spcAft>
+                          <a:spcPts val="0"/>
+                        </a:spcAft>
+                      </a:pPr>
+                      <a:r>
+                        <a:rPr lang="pt-BR" sz="1600">
+                          <a:effectLst/>
+                        </a:rPr>
+                        <a:t>Pós-Condição: Não se aplica</a:t>
+                      </a:r>
+                      <a:endParaRPr lang="en-US" sz="1600">
+                        <a:effectLst/>
+                        <a:latin typeface="Times" panose="02020603050405020304" pitchFamily="18" charset="0"/>
+                        <a:ea typeface="Times New Roman" panose="02020603050405020304" pitchFamily="18" charset="0"/>
+                      </a:endParaRPr>
+                    </a:p>
+                  </a:txBody>
+                  <a:tcPr marL="68580" marR="68580" marT="0" marB="0" anchor="ctr"/>
+                </a:tc>
+                <a:extLst>
+                  <a:ext uri="{0D108BD9-81ED-4DB2-BD59-A6C34878D82A}">
+                    <a16:rowId xmlns:a16="http://schemas.microsoft.com/office/drawing/2014/main" val="2427504009"/>
+                  </a:ext>
+                </a:extLst>
+              </a:tr>
+              <a:tr h="2035357">
+                <a:tc>
+                  <a:txBody>
+                    <a:bodyPr/>
+                    <a:lstStyle/>
+                    <a:p>
+                      <a:pPr>
+                        <a:lnSpc>
+                          <a:spcPts val="1200"/>
+                        </a:lnSpc>
+                        <a:spcAft>
+                          <a:spcPts val="0"/>
+                        </a:spcAft>
+                      </a:pPr>
+                      <a:r>
+                        <a:rPr lang="pt-BR" sz="1600" dirty="0">
+                          <a:effectLst/>
+                        </a:rPr>
+                        <a:t>Curso Normal: </a:t>
+                      </a:r>
+                      <a:endParaRPr lang="en-US" sz="1600" dirty="0">
+                        <a:effectLst/>
+                      </a:endParaRPr>
+                    </a:p>
+                    <a:p>
+                      <a:pPr marL="342900" lvl="0" indent="-342900">
+                        <a:lnSpc>
+                          <a:spcPct val="106000"/>
+                        </a:lnSpc>
+                        <a:spcAft>
+                          <a:spcPts val="0"/>
+                        </a:spcAft>
+                        <a:buFont typeface="+mj-lt"/>
+                        <a:buAutoNum type="arabicPeriod"/>
+                      </a:pPr>
+                      <a:r>
+                        <a:rPr lang="pt-BR" sz="1600" dirty="0">
+                          <a:effectLst/>
+                        </a:rPr>
+                        <a:t>Cliente solicita o encerramento de conta para o garçom</a:t>
+                      </a:r>
+                      <a:endParaRPr lang="en-US" sz="1400" dirty="0">
+                        <a:effectLst/>
+                      </a:endParaRPr>
+                    </a:p>
+                    <a:p>
+                      <a:pPr marL="342900" lvl="0" indent="-342900">
+                        <a:lnSpc>
+                          <a:spcPct val="106000"/>
+                        </a:lnSpc>
+                        <a:spcAft>
+                          <a:spcPts val="0"/>
+                        </a:spcAft>
+                        <a:buFont typeface="+mj-lt"/>
+                        <a:buAutoNum type="arabicPeriod"/>
+                      </a:pPr>
+                      <a:r>
+                        <a:rPr lang="pt-BR" sz="1600" dirty="0">
+                          <a:effectLst/>
+                        </a:rPr>
+                        <a:t>O garçom solicita ao frente de caixa a impressão da comanda para ser entregue ao cliente.</a:t>
+                      </a:r>
+                      <a:endParaRPr lang="en-US" sz="1400" dirty="0">
+                        <a:effectLst/>
+                      </a:endParaRPr>
+                    </a:p>
+                    <a:p>
+                      <a:pPr marL="342900" lvl="0" indent="-342900">
+                        <a:lnSpc>
+                          <a:spcPct val="106000"/>
+                        </a:lnSpc>
+                        <a:spcAft>
+                          <a:spcPts val="0"/>
+                        </a:spcAft>
+                        <a:buFont typeface="+mj-lt"/>
+                        <a:buAutoNum type="arabicPeriod"/>
+                      </a:pPr>
+                      <a:r>
+                        <a:rPr lang="pt-BR" sz="1600" dirty="0">
+                          <a:effectLst/>
+                        </a:rPr>
+                        <a:t>O Cliente recebe a comanda impressa com as informações do pedido, valores pagos, descontos, valor dividido por pessoas, etc...</a:t>
+                      </a:r>
+                      <a:endParaRPr lang="en-US" sz="1400" dirty="0">
+                        <a:effectLst/>
+                      </a:endParaRPr>
+                    </a:p>
+                    <a:p>
+                      <a:pPr marL="342900" lvl="0" indent="-342900">
+                        <a:lnSpc>
+                          <a:spcPct val="106000"/>
+                        </a:lnSpc>
+                        <a:spcAft>
+                          <a:spcPts val="0"/>
+                        </a:spcAft>
+                        <a:buFont typeface="+mj-lt"/>
+                        <a:buAutoNum type="arabicPeriod"/>
+                      </a:pPr>
+                      <a:r>
+                        <a:rPr lang="pt-BR" sz="1600" dirty="0">
+                          <a:effectLst/>
+                        </a:rPr>
+                        <a:t>O Cliente realiza o pagamento da conta parcial ou total</a:t>
+                      </a:r>
+                      <a:endParaRPr lang="en-US" sz="1400" dirty="0">
+                        <a:effectLst/>
+                        <a:latin typeface="Calibri" panose="020F0502020204030204" pitchFamily="34" charset="0"/>
+                        <a:ea typeface="Calibri" panose="020F0502020204030204" pitchFamily="34" charset="0"/>
+                        <a:cs typeface="Times New Roman" panose="02020603050405020304" pitchFamily="18" charset="0"/>
+                      </a:endParaRPr>
+                    </a:p>
+                  </a:txBody>
+                  <a:tcPr marL="68580" marR="68580" marT="0" marB="0" anchor="ctr"/>
+                </a:tc>
+                <a:extLst>
+                  <a:ext uri="{0D108BD9-81ED-4DB2-BD59-A6C34878D82A}">
+                    <a16:rowId xmlns:a16="http://schemas.microsoft.com/office/drawing/2014/main" val="1009370148"/>
+                  </a:ext>
+                </a:extLst>
+              </a:tr>
+              <a:tr h="926916">
+                <a:tc>
+                  <a:txBody>
+                    <a:bodyPr/>
+                    <a:lstStyle/>
+                    <a:p>
+                      <a:pPr>
+                        <a:lnSpc>
+                          <a:spcPts val="1200"/>
+                        </a:lnSpc>
+                        <a:spcAft>
+                          <a:spcPts val="0"/>
+                        </a:spcAft>
+                      </a:pPr>
+                      <a:r>
+                        <a:rPr lang="pt-BR" sz="1600" dirty="0">
+                          <a:effectLst/>
+                        </a:rPr>
+                        <a:t>Tratamento de Exceções: </a:t>
+                      </a:r>
+                      <a:endParaRPr lang="en-US" sz="1600" dirty="0">
+                        <a:effectLst/>
+                      </a:endParaRPr>
+                    </a:p>
+                    <a:p>
+                      <a:pPr marL="342900" lvl="0" indent="-342900">
+                        <a:lnSpc>
+                          <a:spcPct val="106000"/>
+                        </a:lnSpc>
+                        <a:spcAft>
+                          <a:spcPts val="0"/>
+                        </a:spcAft>
+                        <a:buFont typeface="+mj-lt"/>
+                        <a:buAutoNum type="arabicPeriod"/>
+                      </a:pPr>
+                      <a:r>
+                        <a:rPr lang="pt-BR" sz="1600" dirty="0">
+                          <a:effectLst/>
+                        </a:rPr>
+                        <a:t>Caso seja um pedido delivery, o pagamento deve ser realizado de forma online ao finalizar o pedido.</a:t>
+                      </a:r>
+                      <a:r>
+                        <a:rPr lang="pt-BR" sz="1400" dirty="0">
+                          <a:effectLst/>
+                        </a:rPr>
+                        <a:t> </a:t>
+                      </a:r>
+                      <a:endParaRPr lang="en-US" sz="1400" dirty="0">
+                        <a:effectLst/>
+                        <a:latin typeface="Calibri" panose="020F0502020204030204" pitchFamily="34" charset="0"/>
+                        <a:ea typeface="Calibri" panose="020F0502020204030204" pitchFamily="34" charset="0"/>
+                        <a:cs typeface="Times New Roman" panose="02020603050405020304" pitchFamily="18" charset="0"/>
+                      </a:endParaRPr>
+                    </a:p>
+                  </a:txBody>
+                  <a:tcPr marL="68580" marR="68580" marT="0" marB="0" anchor="ctr"/>
+                </a:tc>
+                <a:extLst>
+                  <a:ext uri="{0D108BD9-81ED-4DB2-BD59-A6C34878D82A}">
+                    <a16:rowId xmlns:a16="http://schemas.microsoft.com/office/drawing/2014/main" val="3189017580"/>
+                  </a:ext>
+                </a:extLst>
+              </a:tr>
+            </a:tbl>
+          </a:graphicData>
+        </a:graphic>
+      </p:graphicFrame>
+    </p:spTree>
+    <p:extLst>
+      <p:ext uri="{BB962C8B-B14F-4D97-AF65-F5344CB8AC3E}">
+        <p14:creationId xmlns:p14="http://schemas.microsoft.com/office/powerpoint/2010/main" val="2512339044"/>
+      </p:ext>
+    </p:extLst>
+  </p:cSld>
+  <p:clrMapOvr>
+    <a:masterClrMapping/>
+  </p:clrMapOvr>
+</p:sld>
+</file>
+
+<file path=ppt/slides/slide25.xml><?xml version="1.0" encoding="utf-8"?>
+<p:sld xmlns:a="http://schemas.openxmlformats.org/drawingml/2006/main" xmlns:r="http://schemas.openxmlformats.org/officeDocument/2006/relationships" xmlns:p="http://schemas.openxmlformats.org/presentationml/2006/main">
+  <p:cSld>
+    <p:spTree>
+      <p:nvGrpSpPr>
+        <p:cNvPr id="1" name=""/>
+        <p:cNvGrpSpPr/>
+        <p:nvPr/>
+      </p:nvGrpSpPr>
+      <p:grpSpPr>
+        <a:xfrm>
+          <a:off x="0" y="0"/>
+          <a:ext cx="0" cy="0"/>
+          <a:chOff x="0" y="0"/>
+          <a:chExt cx="0" cy="0"/>
+        </a:xfrm>
+      </p:grpSpPr>
+      <p:graphicFrame>
+        <p:nvGraphicFramePr>
+          <p:cNvPr id="4" name="Tabela 3">
+            <a:extLst>
+              <a:ext uri="{FF2B5EF4-FFF2-40B4-BE49-F238E27FC236}">
+                <a16:creationId xmlns:a16="http://schemas.microsoft.com/office/drawing/2014/main" id="{1DEAB5A7-CDFF-4F24-9DD9-7626B085D939}"/>
+              </a:ext>
+            </a:extLst>
+          </p:cNvPr>
+          <p:cNvGraphicFramePr>
+            <a:graphicFrameLocks noGrp="1"/>
+          </p:cNvGraphicFramePr>
+          <p:nvPr>
+            <p:extLst>
+              <p:ext uri="{D42A27DB-BD31-4B8C-83A1-F6EECF244321}">
+                <p14:modId xmlns:p14="http://schemas.microsoft.com/office/powerpoint/2010/main" val="2428943794"/>
+              </p:ext>
+            </p:extLst>
+          </p:nvPr>
+        </p:nvGraphicFramePr>
+        <p:xfrm>
+          <a:off x="2557669" y="463826"/>
+          <a:ext cx="6732103" cy="5513201"/>
+        </p:xfrm>
+        <a:graphic>
+          <a:graphicData uri="http://schemas.openxmlformats.org/drawingml/2006/table">
+            <a:tbl>
+              <a:tblPr firstRow="1" firstCol="1" bandRow="1">
+                <a:tableStyleId>{9DCAF9ED-07DC-4A11-8D7F-57B35C25682E}</a:tableStyleId>
+              </a:tblPr>
+              <a:tblGrid>
+                <a:gridCol w="6732103">
+                  <a:extLst>
+                    <a:ext uri="{9D8B030D-6E8A-4147-A177-3AD203B41FA5}">
+                      <a16:colId xmlns:a16="http://schemas.microsoft.com/office/drawing/2014/main" val="459396877"/>
+                    </a:ext>
+                  </a:extLst>
+                </a:gridCol>
+              </a:tblGrid>
+              <a:tr h="172279">
+                <a:tc>
+                  <a:txBody>
+                    <a:bodyPr/>
+                    <a:lstStyle/>
+                    <a:p>
+                      <a:pPr>
+                        <a:lnSpc>
+                          <a:spcPts val="1200"/>
+                        </a:lnSpc>
+                        <a:spcAft>
+                          <a:spcPts val="0"/>
+                        </a:spcAft>
+                      </a:pPr>
+                      <a:r>
+                        <a:rPr lang="pt-BR" sz="1200">
+                          <a:effectLst/>
+                        </a:rPr>
+                        <a:t>Caso de Uso: Reservar Mesa</a:t>
+                      </a:r>
+                      <a:endParaRPr lang="en-US" sz="1200">
+                        <a:effectLst/>
+                        <a:latin typeface="Times" panose="02020603050405020304" pitchFamily="18" charset="0"/>
+                        <a:ea typeface="Times New Roman" panose="02020603050405020304" pitchFamily="18" charset="0"/>
+                      </a:endParaRPr>
+                    </a:p>
+                  </a:txBody>
+                  <a:tcPr marL="50687" marR="50687" marT="0" marB="0" anchor="ctr"/>
+                </a:tc>
+                <a:extLst>
+                  <a:ext uri="{0D108BD9-81ED-4DB2-BD59-A6C34878D82A}">
+                    <a16:rowId xmlns:a16="http://schemas.microsoft.com/office/drawing/2014/main" val="2051536528"/>
+                  </a:ext>
+                </a:extLst>
+              </a:tr>
+              <a:tr h="183141">
+                <a:tc>
+                  <a:txBody>
+                    <a:bodyPr/>
+                    <a:lstStyle/>
+                    <a:p>
+                      <a:pPr>
+                        <a:lnSpc>
+                          <a:spcPts val="1200"/>
+                        </a:lnSpc>
+                        <a:spcAft>
+                          <a:spcPts val="0"/>
+                        </a:spcAft>
+                      </a:pPr>
+                      <a:r>
+                        <a:rPr lang="pt-BR" sz="1200">
+                          <a:effectLst/>
+                        </a:rPr>
+                        <a:t>Identificação: C3</a:t>
+                      </a:r>
+                      <a:endParaRPr lang="en-US" sz="1200">
+                        <a:effectLst/>
+                        <a:latin typeface="Times" panose="02020603050405020304" pitchFamily="18" charset="0"/>
+                        <a:ea typeface="Times New Roman" panose="02020603050405020304" pitchFamily="18" charset="0"/>
+                      </a:endParaRPr>
+                    </a:p>
+                  </a:txBody>
+                  <a:tcPr marL="50687" marR="50687" marT="0" marB="0" anchor="ctr"/>
+                </a:tc>
+                <a:extLst>
+                  <a:ext uri="{0D108BD9-81ED-4DB2-BD59-A6C34878D82A}">
+                    <a16:rowId xmlns:a16="http://schemas.microsoft.com/office/drawing/2014/main" val="1804494447"/>
+                  </a:ext>
+                </a:extLst>
+              </a:tr>
+              <a:tr h="377284">
+                <a:tc>
+                  <a:txBody>
+                    <a:bodyPr/>
+                    <a:lstStyle/>
+                    <a:p>
+                      <a:pPr>
+                        <a:lnSpc>
+                          <a:spcPts val="1200"/>
+                        </a:lnSpc>
+                        <a:spcAft>
+                          <a:spcPts val="0"/>
+                        </a:spcAft>
+                      </a:pPr>
+                      <a:r>
+                        <a:rPr lang="pt-BR" sz="1200">
+                          <a:effectLst/>
+                        </a:rPr>
+                        <a:t>Descrição:  O sistema permite que um cliente faça reservas de mesas pelo site ou o próprio gerente do restaurante gerenciar as reservas </a:t>
+                      </a:r>
+                      <a:endParaRPr lang="en-US" sz="1200">
+                        <a:effectLst/>
+                        <a:latin typeface="Times" panose="02020603050405020304" pitchFamily="18" charset="0"/>
+                        <a:ea typeface="Times New Roman" panose="02020603050405020304" pitchFamily="18" charset="0"/>
+                      </a:endParaRPr>
+                    </a:p>
+                  </a:txBody>
+                  <a:tcPr marL="50687" marR="50687" marT="0" marB="0" anchor="ctr"/>
+                </a:tc>
+                <a:extLst>
+                  <a:ext uri="{0D108BD9-81ED-4DB2-BD59-A6C34878D82A}">
+                    <a16:rowId xmlns:a16="http://schemas.microsoft.com/office/drawing/2014/main" val="1769634918"/>
+                  </a:ext>
+                </a:extLst>
+              </a:tr>
+              <a:tr h="183141">
+                <a:tc>
+                  <a:txBody>
+                    <a:bodyPr/>
+                    <a:lstStyle/>
+                    <a:p>
+                      <a:pPr>
+                        <a:lnSpc>
+                          <a:spcPts val="1200"/>
+                        </a:lnSpc>
+                        <a:spcAft>
+                          <a:spcPts val="0"/>
+                        </a:spcAft>
+                      </a:pPr>
+                      <a:r>
+                        <a:rPr lang="pt-BR" sz="1200">
+                          <a:effectLst/>
+                        </a:rPr>
+                        <a:t>Ator(es): Gerente</a:t>
+                      </a:r>
+                      <a:endParaRPr lang="en-US" sz="1200">
+                        <a:effectLst/>
+                        <a:latin typeface="Times" panose="02020603050405020304" pitchFamily="18" charset="0"/>
+                        <a:ea typeface="Times New Roman" panose="02020603050405020304" pitchFamily="18" charset="0"/>
+                      </a:endParaRPr>
+                    </a:p>
+                  </a:txBody>
+                  <a:tcPr marL="50687" marR="50687" marT="0" marB="0" anchor="ctr"/>
+                </a:tc>
+                <a:extLst>
+                  <a:ext uri="{0D108BD9-81ED-4DB2-BD59-A6C34878D82A}">
+                    <a16:rowId xmlns:a16="http://schemas.microsoft.com/office/drawing/2014/main" val="3305577413"/>
+                  </a:ext>
+                </a:extLst>
+              </a:tr>
+              <a:tr h="183141">
+                <a:tc>
+                  <a:txBody>
+                    <a:bodyPr/>
+                    <a:lstStyle/>
+                    <a:p>
+                      <a:pPr>
+                        <a:lnSpc>
+                          <a:spcPts val="1200"/>
+                        </a:lnSpc>
+                        <a:spcAft>
+                          <a:spcPts val="0"/>
+                        </a:spcAft>
+                      </a:pPr>
+                      <a:r>
+                        <a:rPr lang="pt-BR" sz="1200">
+                          <a:effectLst/>
+                        </a:rPr>
+                        <a:t>Pré-Condição: As Mesas devem estar cadastradas no Sistema.</a:t>
+                      </a:r>
+                      <a:endParaRPr lang="en-US" sz="1200">
+                        <a:effectLst/>
+                        <a:latin typeface="Times" panose="02020603050405020304" pitchFamily="18" charset="0"/>
+                        <a:ea typeface="Times New Roman" panose="02020603050405020304" pitchFamily="18" charset="0"/>
+                      </a:endParaRPr>
+                    </a:p>
+                  </a:txBody>
+                  <a:tcPr marL="50687" marR="50687" marT="0" marB="0" anchor="ctr"/>
+                </a:tc>
+                <a:extLst>
+                  <a:ext uri="{0D108BD9-81ED-4DB2-BD59-A6C34878D82A}">
+                    <a16:rowId xmlns:a16="http://schemas.microsoft.com/office/drawing/2014/main" val="2116794066"/>
+                  </a:ext>
+                </a:extLst>
+              </a:tr>
+              <a:tr h="183141">
+                <a:tc>
+                  <a:txBody>
+                    <a:bodyPr/>
+                    <a:lstStyle/>
+                    <a:p>
+                      <a:pPr>
+                        <a:lnSpc>
+                          <a:spcPts val="1200"/>
+                        </a:lnSpc>
+                        <a:spcAft>
+                          <a:spcPts val="0"/>
+                        </a:spcAft>
+                      </a:pPr>
+                      <a:r>
+                        <a:rPr lang="pt-BR" sz="1200">
+                          <a:effectLst/>
+                        </a:rPr>
+                        <a:t>Pós-Condição: Não se aplica</a:t>
+                      </a:r>
+                      <a:endParaRPr lang="en-US" sz="1200">
+                        <a:effectLst/>
+                        <a:latin typeface="Times" panose="02020603050405020304" pitchFamily="18" charset="0"/>
+                        <a:ea typeface="Times New Roman" panose="02020603050405020304" pitchFamily="18" charset="0"/>
+                      </a:endParaRPr>
+                    </a:p>
+                  </a:txBody>
+                  <a:tcPr marL="50687" marR="50687" marT="0" marB="0" anchor="ctr"/>
+                </a:tc>
+                <a:extLst>
+                  <a:ext uri="{0D108BD9-81ED-4DB2-BD59-A6C34878D82A}">
+                    <a16:rowId xmlns:a16="http://schemas.microsoft.com/office/drawing/2014/main" val="1386978430"/>
+                  </a:ext>
+                </a:extLst>
+              </a:tr>
+              <a:tr h="2192333">
+                <a:tc>
+                  <a:txBody>
+                    <a:bodyPr/>
+                    <a:lstStyle/>
+                    <a:p>
+                      <a:pPr>
+                        <a:lnSpc>
+                          <a:spcPts val="1200"/>
+                        </a:lnSpc>
+                        <a:spcAft>
+                          <a:spcPts val="0"/>
+                        </a:spcAft>
+                      </a:pPr>
+                      <a:r>
+                        <a:rPr lang="pt-BR" sz="1200">
+                          <a:effectLst/>
+                        </a:rPr>
+                        <a:t>Curso Normal: </a:t>
+                      </a:r>
+                      <a:endParaRPr lang="en-US" sz="1200">
+                        <a:effectLst/>
+                      </a:endParaRPr>
+                    </a:p>
+                    <a:p>
+                      <a:pPr marL="342900" lvl="0" indent="-342900">
+                        <a:lnSpc>
+                          <a:spcPct val="106000"/>
+                        </a:lnSpc>
+                        <a:spcAft>
+                          <a:spcPts val="0"/>
+                        </a:spcAft>
+                        <a:buFont typeface="+mj-lt"/>
+                        <a:buAutoNum type="arabicPeriod"/>
+                      </a:pPr>
+                      <a:r>
+                        <a:rPr lang="pt-BR" sz="1200">
+                          <a:effectLst/>
+                        </a:rPr>
+                        <a:t>O Garçom Deverá acessar a opção: Gerenciamento de Mesas</a:t>
+                      </a:r>
+                      <a:endParaRPr lang="en-US" sz="1100">
+                        <a:effectLst/>
+                      </a:endParaRPr>
+                    </a:p>
+                    <a:p>
+                      <a:pPr marL="342900" lvl="0" indent="-342900">
+                        <a:lnSpc>
+                          <a:spcPct val="106000"/>
+                        </a:lnSpc>
+                        <a:spcAft>
+                          <a:spcPts val="0"/>
+                        </a:spcAft>
+                        <a:buFont typeface="+mj-lt"/>
+                        <a:buAutoNum type="arabicPeriod"/>
+                      </a:pPr>
+                      <a:r>
+                        <a:rPr lang="pt-BR" sz="1200">
+                          <a:effectLst/>
+                        </a:rPr>
+                        <a:t>A tela exibirá um mapa de mesas de restaurante identificando se status por cores.</a:t>
+                      </a:r>
+                      <a:endParaRPr lang="en-US" sz="1100">
+                        <a:effectLst/>
+                      </a:endParaRPr>
+                    </a:p>
+                    <a:p>
+                      <a:pPr marL="342900" lvl="0" indent="-342900">
+                        <a:lnSpc>
+                          <a:spcPct val="106000"/>
+                        </a:lnSpc>
+                        <a:spcAft>
+                          <a:spcPts val="0"/>
+                        </a:spcAft>
+                        <a:buFont typeface="+mj-lt"/>
+                        <a:buAutoNum type="arabicPeriod"/>
+                      </a:pPr>
+                      <a:r>
+                        <a:rPr lang="pt-BR" sz="1200">
+                          <a:effectLst/>
+                        </a:rPr>
+                        <a:t>Ao clicar na mesa o garçom poderá ver os pedidos da mesa, fechar a conta ou reservar a mesa.</a:t>
+                      </a:r>
+                      <a:endParaRPr lang="en-US" sz="1100">
+                        <a:effectLst/>
+                      </a:endParaRPr>
+                    </a:p>
+                    <a:p>
+                      <a:pPr marL="342900" lvl="0" indent="-342900">
+                        <a:lnSpc>
+                          <a:spcPct val="106000"/>
+                        </a:lnSpc>
+                        <a:spcAft>
+                          <a:spcPts val="0"/>
+                        </a:spcAft>
+                        <a:buFont typeface="+mj-lt"/>
+                        <a:buAutoNum type="arabicPeriod"/>
+                      </a:pPr>
+                      <a:r>
+                        <a:rPr lang="pt-BR" sz="1200">
+                          <a:effectLst/>
+                        </a:rPr>
+                        <a:t>Na tela que será exibida o garçom consegue ver os detalhes da mesa no momento atual, como financeiro, reservas, pedidos, etc.</a:t>
+                      </a:r>
+                      <a:endParaRPr lang="en-US" sz="1100">
+                        <a:effectLst/>
+                      </a:endParaRPr>
+                    </a:p>
+                    <a:p>
+                      <a:pPr marL="342900" lvl="0" indent="-342900">
+                        <a:lnSpc>
+                          <a:spcPct val="106000"/>
+                        </a:lnSpc>
+                        <a:spcAft>
+                          <a:spcPts val="0"/>
+                        </a:spcAft>
+                        <a:buFont typeface="+mj-lt"/>
+                        <a:buAutoNum type="arabicPeriod"/>
+                      </a:pPr>
+                      <a:r>
+                        <a:rPr lang="pt-BR" sz="1200">
+                          <a:effectLst/>
+                        </a:rPr>
+                        <a:t>Ao clicar no botão ver pedidos, o garçom será direcionado para a tela de gerenciamento de Pedido.</a:t>
+                      </a:r>
+                      <a:endParaRPr lang="en-US" sz="1100">
+                        <a:effectLst/>
+                      </a:endParaRPr>
+                    </a:p>
+                    <a:p>
+                      <a:pPr marL="342900" lvl="0" indent="-342900">
+                        <a:lnSpc>
+                          <a:spcPct val="106000"/>
+                        </a:lnSpc>
+                        <a:spcAft>
+                          <a:spcPts val="0"/>
+                        </a:spcAft>
+                        <a:buFont typeface="+mj-lt"/>
+                        <a:buAutoNum type="arabicPeriod"/>
+                      </a:pPr>
+                      <a:r>
+                        <a:rPr lang="pt-BR" sz="1200">
+                          <a:effectLst/>
+                        </a:rPr>
+                        <a:t>Ao clicar no botão reservar, o sistema direcionará a uma nova tela para reservar a mesa selecionada.</a:t>
+                      </a:r>
+                      <a:endParaRPr lang="en-US" sz="1100">
+                        <a:effectLst/>
+                      </a:endParaRPr>
+                    </a:p>
+                    <a:p>
+                      <a:pPr marL="342900" lvl="0" indent="-342900">
+                        <a:lnSpc>
+                          <a:spcPct val="106000"/>
+                        </a:lnSpc>
+                        <a:spcAft>
+                          <a:spcPts val="0"/>
+                        </a:spcAft>
+                        <a:buFont typeface="+mj-lt"/>
+                        <a:buAutoNum type="arabicPeriod"/>
+                      </a:pPr>
+                      <a:r>
+                        <a:rPr lang="pt-BR" sz="1200">
+                          <a:effectLst/>
+                        </a:rPr>
+                        <a:t>Ao clicar no botão fechar a conta o sistema irá colocar a mesa na situação de “aguardando limpeza” e a comanda da conta será enviada para o cliente para o pagamento.</a:t>
+                      </a:r>
+                      <a:endParaRPr lang="en-US" sz="1100">
+                        <a:effectLst/>
+                        <a:latin typeface="Calibri" panose="020F0502020204030204" pitchFamily="34" charset="0"/>
+                        <a:ea typeface="Calibri" panose="020F0502020204030204" pitchFamily="34" charset="0"/>
+                        <a:cs typeface="Times New Roman" panose="02020603050405020304" pitchFamily="18" charset="0"/>
+                      </a:endParaRPr>
+                    </a:p>
+                  </a:txBody>
+                  <a:tcPr marL="50687" marR="50687" marT="0" marB="0" anchor="ctr"/>
+                </a:tc>
+                <a:extLst>
+                  <a:ext uri="{0D108BD9-81ED-4DB2-BD59-A6C34878D82A}">
+                    <a16:rowId xmlns:a16="http://schemas.microsoft.com/office/drawing/2014/main" val="3823086791"/>
+                  </a:ext>
+                </a:extLst>
+              </a:tr>
+              <a:tr h="2038741">
+                <a:tc>
+                  <a:txBody>
+                    <a:bodyPr/>
+                    <a:lstStyle/>
+                    <a:p>
+                      <a:pPr>
+                        <a:lnSpc>
+                          <a:spcPts val="1200"/>
+                        </a:lnSpc>
+                        <a:spcAft>
+                          <a:spcPts val="0"/>
+                        </a:spcAft>
+                      </a:pPr>
+                      <a:r>
+                        <a:rPr lang="pt-BR" sz="1200" dirty="0">
+                          <a:effectLst/>
+                        </a:rPr>
+                        <a:t>Tratamento de Exceções:</a:t>
+                      </a:r>
+                      <a:endParaRPr lang="en-US" sz="1200" dirty="0">
+                        <a:effectLst/>
+                      </a:endParaRPr>
+                    </a:p>
+                    <a:p>
+                      <a:pPr marL="342900" lvl="0" indent="-342900">
+                        <a:lnSpc>
+                          <a:spcPct val="106000"/>
+                        </a:lnSpc>
+                        <a:spcAft>
+                          <a:spcPts val="0"/>
+                        </a:spcAft>
+                        <a:buFont typeface="+mj-lt"/>
+                        <a:buAutoNum type="arabicPeriod"/>
+                      </a:pPr>
+                      <a:r>
+                        <a:rPr lang="pt-BR" sz="1200" dirty="0">
+                          <a:effectLst/>
+                        </a:rPr>
+                        <a:t>O garçom tenta reservar uma mesa que está ocupada, ou já existe uma reserva cadastrada:</a:t>
+                      </a:r>
+                      <a:endParaRPr lang="en-US" sz="1100" dirty="0">
+                        <a:effectLst/>
+                      </a:endParaRPr>
+                    </a:p>
+                    <a:p>
+                      <a:pPr marL="742950" lvl="1" indent="-285750">
+                        <a:lnSpc>
+                          <a:spcPct val="106000"/>
+                        </a:lnSpc>
+                        <a:spcAft>
+                          <a:spcPts val="0"/>
+                        </a:spcAft>
+                        <a:buFont typeface="+mj-lt"/>
+                        <a:buAutoNum type="arabicPeriod"/>
+                      </a:pPr>
+                      <a:r>
+                        <a:rPr lang="pt-BR" sz="1200" dirty="0">
+                          <a:effectLst/>
+                        </a:rPr>
+                        <a:t>O Sistema emitirá uma mensagem informando que a mesa esta ocupada ou que existe uma reserva para mesma e não poderá ser feito a reserva.</a:t>
+                      </a:r>
+                      <a:endParaRPr lang="en-US" sz="1100" dirty="0">
+                        <a:effectLst/>
+                      </a:endParaRPr>
+                    </a:p>
+                    <a:p>
+                      <a:pPr marL="342900" lvl="0" indent="-342900">
+                        <a:lnSpc>
+                          <a:spcPct val="106000"/>
+                        </a:lnSpc>
+                        <a:spcAft>
+                          <a:spcPts val="0"/>
+                        </a:spcAft>
+                        <a:buFont typeface="+mj-lt"/>
+                        <a:buAutoNum type="arabicPeriod"/>
+                      </a:pPr>
+                      <a:r>
+                        <a:rPr lang="pt-BR" sz="1200" dirty="0">
+                          <a:effectLst/>
+                        </a:rPr>
+                        <a:t>O garçom clica em “fechar a conta” de uma mesa livre:</a:t>
+                      </a:r>
+                      <a:endParaRPr lang="en-US" sz="1100" dirty="0">
+                        <a:effectLst/>
+                      </a:endParaRPr>
+                    </a:p>
+                    <a:p>
+                      <a:pPr marL="742950" lvl="1" indent="-285750">
+                        <a:lnSpc>
+                          <a:spcPct val="106000"/>
+                        </a:lnSpc>
+                        <a:spcAft>
+                          <a:spcPts val="0"/>
+                        </a:spcAft>
+                        <a:buFont typeface="+mj-lt"/>
+                        <a:buAutoNum type="arabicPeriod"/>
+                      </a:pPr>
+                      <a:r>
+                        <a:rPr lang="pt-BR" sz="1200" dirty="0">
+                          <a:effectLst/>
+                        </a:rPr>
+                        <a:t>O Sistema informa que a mesa não tem nenhuma conta a ser fechada</a:t>
+                      </a:r>
+                      <a:endParaRPr lang="en-US" sz="1100" dirty="0">
+                        <a:effectLst/>
+                      </a:endParaRPr>
+                    </a:p>
+                    <a:p>
+                      <a:pPr marL="342900" lvl="0" indent="-342900">
+                        <a:lnSpc>
+                          <a:spcPct val="106000"/>
+                        </a:lnSpc>
+                        <a:spcAft>
+                          <a:spcPts val="0"/>
+                        </a:spcAft>
+                        <a:buFont typeface="+mj-lt"/>
+                        <a:buAutoNum type="arabicPeriod"/>
+                      </a:pPr>
+                      <a:r>
+                        <a:rPr lang="pt-BR" sz="1200" dirty="0">
+                          <a:effectLst/>
+                        </a:rPr>
+                        <a:t>O garçom clica no botão “ver pedidos” em uma mesa livre:</a:t>
+                      </a:r>
+                      <a:endParaRPr lang="en-US" sz="1100" dirty="0">
+                        <a:effectLst/>
+                      </a:endParaRPr>
+                    </a:p>
+                    <a:p>
+                      <a:pPr marL="742950" lvl="1" indent="-285750">
+                        <a:lnSpc>
+                          <a:spcPct val="106000"/>
+                        </a:lnSpc>
+                        <a:spcAft>
+                          <a:spcPts val="0"/>
+                        </a:spcAft>
+                        <a:buFont typeface="+mj-lt"/>
+                        <a:buAutoNum type="arabicPeriod"/>
+                      </a:pPr>
+                      <a:r>
+                        <a:rPr lang="pt-BR" sz="1200" dirty="0">
+                          <a:effectLst/>
+                        </a:rPr>
+                        <a:t>O Sistema avisa que a mesa ainda não possui pedidos.</a:t>
+                      </a:r>
+                      <a:endParaRPr lang="en-US" sz="1100" dirty="0">
+                        <a:effectLst/>
+                        <a:latin typeface="Calibri" panose="020F0502020204030204" pitchFamily="34" charset="0"/>
+                        <a:ea typeface="Calibri" panose="020F0502020204030204" pitchFamily="34" charset="0"/>
+                        <a:cs typeface="Times New Roman" panose="02020603050405020304" pitchFamily="18" charset="0"/>
+                      </a:endParaRPr>
+                    </a:p>
+                  </a:txBody>
+                  <a:tcPr marL="50687" marR="50687" marT="0" marB="0" anchor="ctr"/>
+                </a:tc>
+                <a:extLst>
+                  <a:ext uri="{0D108BD9-81ED-4DB2-BD59-A6C34878D82A}">
+                    <a16:rowId xmlns:a16="http://schemas.microsoft.com/office/drawing/2014/main" val="3610707344"/>
+                  </a:ext>
+                </a:extLst>
+              </a:tr>
+            </a:tbl>
+          </a:graphicData>
+        </a:graphic>
+      </p:graphicFrame>
+    </p:spTree>
+    <p:extLst>
+      <p:ext uri="{BB962C8B-B14F-4D97-AF65-F5344CB8AC3E}">
+        <p14:creationId xmlns:p14="http://schemas.microsoft.com/office/powerpoint/2010/main" val="379205576"/>
+      </p:ext>
+    </p:extLst>
+  </p:cSld>
+  <p:clrMapOvr>
+    <a:masterClrMapping/>
+  </p:clrMapOvr>
+</p:sld>
+</file>
+
+<file path=ppt/slides/slide26.xml><?xml version="1.0" encoding="utf-8"?>
+<p:sld xmlns:a="http://schemas.openxmlformats.org/drawingml/2006/main" xmlns:r="http://schemas.openxmlformats.org/officeDocument/2006/relationships" xmlns:p="http://schemas.openxmlformats.org/presentationml/2006/main">
+  <p:cSld>
+    <p:spTree>
+      <p:nvGrpSpPr>
+        <p:cNvPr id="1" name=""/>
+        <p:cNvGrpSpPr/>
+        <p:nvPr/>
+      </p:nvGrpSpPr>
+      <p:grpSpPr>
+        <a:xfrm>
+          <a:off x="0" y="0"/>
+          <a:ext cx="0" cy="0"/>
+          <a:chOff x="0" y="0"/>
+          <a:chExt cx="0" cy="0"/>
+        </a:xfrm>
+      </p:grpSpPr>
+      <p:graphicFrame>
+        <p:nvGraphicFramePr>
+          <p:cNvPr id="4" name="Tabela 3">
+            <a:extLst>
+              <a:ext uri="{FF2B5EF4-FFF2-40B4-BE49-F238E27FC236}">
+                <a16:creationId xmlns:a16="http://schemas.microsoft.com/office/drawing/2014/main" id="{9F1021DC-DA45-4A13-9F13-17F2582B2FB3}"/>
+              </a:ext>
+            </a:extLst>
+          </p:cNvPr>
+          <p:cNvGraphicFramePr>
+            <a:graphicFrameLocks noGrp="1"/>
+          </p:cNvGraphicFramePr>
+          <p:nvPr>
+            <p:extLst>
+              <p:ext uri="{D42A27DB-BD31-4B8C-83A1-F6EECF244321}">
+                <p14:modId xmlns:p14="http://schemas.microsoft.com/office/powerpoint/2010/main" val="312804308"/>
+              </p:ext>
+            </p:extLst>
+          </p:nvPr>
+        </p:nvGraphicFramePr>
+        <p:xfrm>
+          <a:off x="2464904" y="543340"/>
+          <a:ext cx="6835044" cy="5483940"/>
+        </p:xfrm>
+        <a:graphic>
+          <a:graphicData uri="http://schemas.openxmlformats.org/drawingml/2006/table">
+            <a:tbl>
+              <a:tblPr firstRow="1" firstCol="1" bandRow="1">
+                <a:tableStyleId>{9DCAF9ED-07DC-4A11-8D7F-57B35C25682E}</a:tableStyleId>
+              </a:tblPr>
+              <a:tblGrid>
+                <a:gridCol w="6835044">
+                  <a:extLst>
+                    <a:ext uri="{9D8B030D-6E8A-4147-A177-3AD203B41FA5}">
+                      <a16:colId xmlns:a16="http://schemas.microsoft.com/office/drawing/2014/main" val="2677652065"/>
+                    </a:ext>
+                  </a:extLst>
+                </a:gridCol>
+              </a:tblGrid>
+              <a:tr h="209070">
+                <a:tc>
+                  <a:txBody>
+                    <a:bodyPr/>
+                    <a:lstStyle/>
+                    <a:p>
+                      <a:pPr>
+                        <a:lnSpc>
+                          <a:spcPts val="1200"/>
+                        </a:lnSpc>
+                        <a:spcAft>
+                          <a:spcPts val="0"/>
+                        </a:spcAft>
+                      </a:pPr>
+                      <a:r>
+                        <a:rPr lang="pt-BR" sz="1600">
+                          <a:effectLst/>
+                        </a:rPr>
+                        <a:t>Caso de Uso: Agregar Mesa</a:t>
+                      </a:r>
+                      <a:endParaRPr lang="en-US" sz="1600">
+                        <a:effectLst/>
+                        <a:latin typeface="Times" panose="02020603050405020304" pitchFamily="18" charset="0"/>
+                        <a:ea typeface="Times New Roman" panose="02020603050405020304" pitchFamily="18" charset="0"/>
+                      </a:endParaRPr>
+                    </a:p>
+                  </a:txBody>
+                  <a:tcPr marL="68580" marR="68580" marT="0" marB="0" anchor="ctr"/>
+                </a:tc>
+                <a:extLst>
+                  <a:ext uri="{0D108BD9-81ED-4DB2-BD59-A6C34878D82A}">
+                    <a16:rowId xmlns:a16="http://schemas.microsoft.com/office/drawing/2014/main" val="2518946169"/>
+                  </a:ext>
+                </a:extLst>
+              </a:tr>
+              <a:tr h="209070">
+                <a:tc>
+                  <a:txBody>
+                    <a:bodyPr/>
+                    <a:lstStyle/>
+                    <a:p>
+                      <a:pPr>
+                        <a:lnSpc>
+                          <a:spcPts val="1200"/>
+                        </a:lnSpc>
+                        <a:spcAft>
+                          <a:spcPts val="0"/>
+                        </a:spcAft>
+                      </a:pPr>
+                      <a:r>
+                        <a:rPr lang="pt-BR" sz="1600">
+                          <a:effectLst/>
+                        </a:rPr>
+                        <a:t>Identificação: C4</a:t>
+                      </a:r>
+                      <a:endParaRPr lang="en-US" sz="1600">
+                        <a:effectLst/>
+                        <a:latin typeface="Times" panose="02020603050405020304" pitchFamily="18" charset="0"/>
+                        <a:ea typeface="Times New Roman" panose="02020603050405020304" pitchFamily="18" charset="0"/>
+                      </a:endParaRPr>
+                    </a:p>
+                  </a:txBody>
+                  <a:tcPr marL="68580" marR="68580" marT="0" marB="0" anchor="ctr"/>
+                </a:tc>
+                <a:extLst>
+                  <a:ext uri="{0D108BD9-81ED-4DB2-BD59-A6C34878D82A}">
+                    <a16:rowId xmlns:a16="http://schemas.microsoft.com/office/drawing/2014/main" val="1493647367"/>
+                  </a:ext>
+                </a:extLst>
+              </a:tr>
+              <a:tr h="782737">
+                <a:tc>
+                  <a:txBody>
+                    <a:bodyPr/>
+                    <a:lstStyle/>
+                    <a:p>
+                      <a:pPr>
+                        <a:lnSpc>
+                          <a:spcPts val="1200"/>
+                        </a:lnSpc>
+                        <a:spcAft>
+                          <a:spcPts val="0"/>
+                        </a:spcAft>
+                      </a:pPr>
+                      <a:r>
+                        <a:rPr lang="pt-BR" sz="1600">
+                          <a:effectLst/>
+                        </a:rPr>
+                        <a:t>Descrição:  As mesas podem se juntar no restaurante, esse procedimento se chamará “agregar mesa” nesse processo o garçom escolhe uma mesa para ser a “principal” e quais mesas se juntaram a ela. </a:t>
+                      </a:r>
+                      <a:endParaRPr lang="en-US" sz="1600">
+                        <a:effectLst/>
+                        <a:latin typeface="Times" panose="02020603050405020304" pitchFamily="18" charset="0"/>
+                        <a:ea typeface="Times New Roman" panose="02020603050405020304" pitchFamily="18" charset="0"/>
+                      </a:endParaRPr>
+                    </a:p>
+                  </a:txBody>
+                  <a:tcPr marL="68580" marR="68580" marT="0" marB="0" anchor="ctr"/>
+                </a:tc>
+                <a:extLst>
+                  <a:ext uri="{0D108BD9-81ED-4DB2-BD59-A6C34878D82A}">
+                    <a16:rowId xmlns:a16="http://schemas.microsoft.com/office/drawing/2014/main" val="680092277"/>
+                  </a:ext>
+                </a:extLst>
+              </a:tr>
+              <a:tr h="209070">
+                <a:tc>
+                  <a:txBody>
+                    <a:bodyPr/>
+                    <a:lstStyle/>
+                    <a:p>
+                      <a:pPr>
+                        <a:lnSpc>
+                          <a:spcPts val="1200"/>
+                        </a:lnSpc>
+                        <a:spcAft>
+                          <a:spcPts val="0"/>
+                        </a:spcAft>
+                      </a:pPr>
+                      <a:r>
+                        <a:rPr lang="pt-BR" sz="1600">
+                          <a:effectLst/>
+                        </a:rPr>
+                        <a:t>Ator(es): Garçom</a:t>
+                      </a:r>
+                      <a:endParaRPr lang="en-US" sz="1600">
+                        <a:effectLst/>
+                        <a:latin typeface="Times" panose="02020603050405020304" pitchFamily="18" charset="0"/>
+                        <a:ea typeface="Times New Roman" panose="02020603050405020304" pitchFamily="18" charset="0"/>
+                      </a:endParaRPr>
+                    </a:p>
+                  </a:txBody>
+                  <a:tcPr marL="68580" marR="68580" marT="0" marB="0" anchor="ctr"/>
+                </a:tc>
+                <a:extLst>
+                  <a:ext uri="{0D108BD9-81ED-4DB2-BD59-A6C34878D82A}">
+                    <a16:rowId xmlns:a16="http://schemas.microsoft.com/office/drawing/2014/main" val="2462272235"/>
+                  </a:ext>
+                </a:extLst>
+              </a:tr>
+              <a:tr h="591514">
+                <a:tc>
+                  <a:txBody>
+                    <a:bodyPr/>
+                    <a:lstStyle/>
+                    <a:p>
+                      <a:pPr>
+                        <a:lnSpc>
+                          <a:spcPts val="1200"/>
+                        </a:lnSpc>
+                        <a:spcAft>
+                          <a:spcPts val="0"/>
+                        </a:spcAft>
+                      </a:pPr>
+                      <a:r>
+                        <a:rPr lang="pt-BR" sz="1600">
+                          <a:effectLst/>
+                        </a:rPr>
+                        <a:t>Pré-Condição: As Mesas devem estar cadastradas no Sistema, e não podem estar reservadas em um determinado espaço de tempo</a:t>
+                      </a:r>
+                      <a:endParaRPr lang="en-US" sz="1600">
+                        <a:effectLst/>
+                        <a:latin typeface="Times" panose="02020603050405020304" pitchFamily="18" charset="0"/>
+                        <a:ea typeface="Times New Roman" panose="02020603050405020304" pitchFamily="18" charset="0"/>
+                      </a:endParaRPr>
+                    </a:p>
+                  </a:txBody>
+                  <a:tcPr marL="68580" marR="68580" marT="0" marB="0" anchor="ctr"/>
+                </a:tc>
+                <a:extLst>
+                  <a:ext uri="{0D108BD9-81ED-4DB2-BD59-A6C34878D82A}">
+                    <a16:rowId xmlns:a16="http://schemas.microsoft.com/office/drawing/2014/main" val="1167658203"/>
+                  </a:ext>
+                </a:extLst>
+              </a:tr>
+              <a:tr h="209070">
+                <a:tc>
+                  <a:txBody>
+                    <a:bodyPr/>
+                    <a:lstStyle/>
+                    <a:p>
+                      <a:pPr>
+                        <a:lnSpc>
+                          <a:spcPts val="1200"/>
+                        </a:lnSpc>
+                        <a:spcAft>
+                          <a:spcPts val="0"/>
+                        </a:spcAft>
+                      </a:pPr>
+                      <a:r>
+                        <a:rPr lang="pt-BR" sz="1600">
+                          <a:effectLst/>
+                        </a:rPr>
+                        <a:t>Pós-Condição: </a:t>
+                      </a:r>
+                      <a:endParaRPr lang="en-US" sz="1600">
+                        <a:effectLst/>
+                        <a:latin typeface="Times" panose="02020603050405020304" pitchFamily="18" charset="0"/>
+                        <a:ea typeface="Times New Roman" panose="02020603050405020304" pitchFamily="18" charset="0"/>
+                      </a:endParaRPr>
+                    </a:p>
+                  </a:txBody>
+                  <a:tcPr marL="68580" marR="68580" marT="0" marB="0" anchor="ctr"/>
+                </a:tc>
+                <a:extLst>
+                  <a:ext uri="{0D108BD9-81ED-4DB2-BD59-A6C34878D82A}">
+                    <a16:rowId xmlns:a16="http://schemas.microsoft.com/office/drawing/2014/main" val="3287171356"/>
+                  </a:ext>
+                </a:extLst>
+              </a:tr>
+              <a:tr h="1798845">
+                <a:tc>
+                  <a:txBody>
+                    <a:bodyPr/>
+                    <a:lstStyle/>
+                    <a:p>
+                      <a:pPr>
+                        <a:lnSpc>
+                          <a:spcPts val="1200"/>
+                        </a:lnSpc>
+                        <a:spcAft>
+                          <a:spcPts val="0"/>
+                        </a:spcAft>
+                      </a:pPr>
+                      <a:r>
+                        <a:rPr lang="pt-BR" sz="1600">
+                          <a:effectLst/>
+                        </a:rPr>
+                        <a:t>Curso Normal: </a:t>
+                      </a:r>
+                      <a:endParaRPr lang="en-US" sz="1600">
+                        <a:effectLst/>
+                      </a:endParaRPr>
+                    </a:p>
+                    <a:p>
+                      <a:pPr marL="342900" lvl="0" indent="-342900">
+                        <a:lnSpc>
+                          <a:spcPct val="106000"/>
+                        </a:lnSpc>
+                        <a:spcAft>
+                          <a:spcPts val="0"/>
+                        </a:spcAft>
+                        <a:buFont typeface="+mj-lt"/>
+                        <a:buAutoNum type="arabicPeriod"/>
+                      </a:pPr>
+                      <a:r>
+                        <a:rPr lang="pt-BR" sz="1600">
+                          <a:effectLst/>
+                        </a:rPr>
+                        <a:t>O garçom deverá acessar o menu “operações”</a:t>
+                      </a:r>
+                      <a:endParaRPr lang="en-US" sz="1400">
+                        <a:effectLst/>
+                      </a:endParaRPr>
+                    </a:p>
+                    <a:p>
+                      <a:pPr marL="342900" lvl="0" indent="-342900">
+                        <a:lnSpc>
+                          <a:spcPct val="106000"/>
+                        </a:lnSpc>
+                        <a:spcAft>
+                          <a:spcPts val="0"/>
+                        </a:spcAft>
+                        <a:buFont typeface="+mj-lt"/>
+                        <a:buAutoNum type="arabicPeriod"/>
+                      </a:pPr>
+                      <a:r>
+                        <a:rPr lang="pt-BR" sz="1600">
+                          <a:effectLst/>
+                        </a:rPr>
+                        <a:t>Escolher a opção agregar mesa</a:t>
+                      </a:r>
+                      <a:endParaRPr lang="en-US" sz="1400">
+                        <a:effectLst/>
+                      </a:endParaRPr>
+                    </a:p>
+                    <a:p>
+                      <a:pPr marL="342900" lvl="0" indent="-342900">
+                        <a:lnSpc>
+                          <a:spcPct val="106000"/>
+                        </a:lnSpc>
+                        <a:spcAft>
+                          <a:spcPts val="0"/>
+                        </a:spcAft>
+                        <a:buFont typeface="+mj-lt"/>
+                        <a:buAutoNum type="arabicPeriod"/>
+                      </a:pPr>
+                      <a:r>
+                        <a:rPr lang="pt-BR" sz="1600">
+                          <a:effectLst/>
+                        </a:rPr>
+                        <a:t>Deverá ser escolhida a mesa principal</a:t>
+                      </a:r>
+                      <a:endParaRPr lang="en-US" sz="1400">
+                        <a:effectLst/>
+                      </a:endParaRPr>
+                    </a:p>
+                    <a:p>
+                      <a:pPr marL="342900" lvl="0" indent="-342900">
+                        <a:lnSpc>
+                          <a:spcPct val="106000"/>
+                        </a:lnSpc>
+                        <a:spcAft>
+                          <a:spcPts val="0"/>
+                        </a:spcAft>
+                        <a:buFont typeface="+mj-lt"/>
+                        <a:buAutoNum type="arabicPeriod"/>
+                      </a:pPr>
+                      <a:r>
+                        <a:rPr lang="pt-BR" sz="1600">
+                          <a:effectLst/>
+                        </a:rPr>
+                        <a:t>Após isso o garçom deverá selecionar quais mesas serão agregadas a mesa principal</a:t>
+                      </a:r>
+                      <a:endParaRPr lang="en-US" sz="1400">
+                        <a:effectLst/>
+                        <a:latin typeface="Calibri" panose="020F0502020204030204" pitchFamily="34" charset="0"/>
+                        <a:ea typeface="Calibri" panose="020F0502020204030204" pitchFamily="34" charset="0"/>
+                        <a:cs typeface="Times New Roman" panose="02020603050405020304" pitchFamily="18" charset="0"/>
+                      </a:endParaRPr>
+                    </a:p>
+                  </a:txBody>
+                  <a:tcPr marL="68580" marR="68580" marT="0" marB="0" anchor="ctr"/>
+                </a:tc>
+                <a:extLst>
+                  <a:ext uri="{0D108BD9-81ED-4DB2-BD59-A6C34878D82A}">
+                    <a16:rowId xmlns:a16="http://schemas.microsoft.com/office/drawing/2014/main" val="669857882"/>
+                  </a:ext>
+                </a:extLst>
+              </a:tr>
+              <a:tr h="1474564">
+                <a:tc>
+                  <a:txBody>
+                    <a:bodyPr/>
+                    <a:lstStyle/>
+                    <a:p>
+                      <a:pPr>
+                        <a:lnSpc>
+                          <a:spcPts val="1200"/>
+                        </a:lnSpc>
+                        <a:spcAft>
+                          <a:spcPts val="0"/>
+                        </a:spcAft>
+                      </a:pPr>
+                      <a:r>
+                        <a:rPr lang="pt-BR" sz="1600" dirty="0">
+                          <a:effectLst/>
+                        </a:rPr>
+                        <a:t>Tratamento de Exceções:</a:t>
+                      </a:r>
+                      <a:endParaRPr lang="en-US" sz="1600" dirty="0">
+                        <a:effectLst/>
+                      </a:endParaRPr>
+                    </a:p>
+                    <a:p>
+                      <a:pPr marL="342900" lvl="0" indent="-342900">
+                        <a:lnSpc>
+                          <a:spcPct val="106000"/>
+                        </a:lnSpc>
+                        <a:spcAft>
+                          <a:spcPts val="0"/>
+                        </a:spcAft>
+                        <a:buFont typeface="+mj-lt"/>
+                        <a:buAutoNum type="arabicPeriod"/>
+                      </a:pPr>
+                      <a:r>
+                        <a:rPr lang="pt-BR" sz="1600" dirty="0">
+                          <a:effectLst/>
+                        </a:rPr>
+                        <a:t>O garçom tenta agregar uma mesa que está reservada dentro do limite de tempo estipulado:</a:t>
+                      </a:r>
+                      <a:endParaRPr lang="en-US" sz="1400" dirty="0">
+                        <a:effectLst/>
+                      </a:endParaRPr>
+                    </a:p>
+                    <a:p>
+                      <a:pPr marL="742950" lvl="1" indent="-285750">
+                        <a:lnSpc>
+                          <a:spcPct val="106000"/>
+                        </a:lnSpc>
+                        <a:spcAft>
+                          <a:spcPts val="0"/>
+                        </a:spcAft>
+                        <a:buFont typeface="+mj-lt"/>
+                        <a:buAutoNum type="arabicPeriod"/>
+                      </a:pPr>
+                      <a:r>
+                        <a:rPr lang="pt-BR" sz="1600" dirty="0">
+                          <a:effectLst/>
+                        </a:rPr>
+                        <a:t>O Sistema irá informar o garçom da reserva, e que aquela mesa não pode ser agregada.</a:t>
+                      </a:r>
+                      <a:endParaRPr lang="en-US" sz="1400" dirty="0">
+                        <a:effectLst/>
+                        <a:latin typeface="Calibri" panose="020F0502020204030204" pitchFamily="34" charset="0"/>
+                        <a:ea typeface="Calibri" panose="020F0502020204030204" pitchFamily="34" charset="0"/>
+                        <a:cs typeface="Times New Roman" panose="02020603050405020304" pitchFamily="18" charset="0"/>
+                      </a:endParaRPr>
+                    </a:p>
+                  </a:txBody>
+                  <a:tcPr marL="68580" marR="68580" marT="0" marB="0" anchor="ctr"/>
+                </a:tc>
+                <a:extLst>
+                  <a:ext uri="{0D108BD9-81ED-4DB2-BD59-A6C34878D82A}">
+                    <a16:rowId xmlns:a16="http://schemas.microsoft.com/office/drawing/2014/main" val="1581696221"/>
+                  </a:ext>
+                </a:extLst>
+              </a:tr>
+            </a:tbl>
+          </a:graphicData>
+        </a:graphic>
+      </p:graphicFrame>
+    </p:spTree>
+    <p:extLst>
+      <p:ext uri="{BB962C8B-B14F-4D97-AF65-F5344CB8AC3E}">
+        <p14:creationId xmlns:p14="http://schemas.microsoft.com/office/powerpoint/2010/main" val="3879365608"/>
+      </p:ext>
+    </p:extLst>
+  </p:cSld>
+  <p:clrMapOvr>
+    <a:masterClrMapping/>
+  </p:clrMapOvr>
+</p:sld>
+</file>
+
+<file path=ppt/slides/slide27.xml><?xml version="1.0" encoding="utf-8"?>
+<p:sld xmlns:a="http://schemas.openxmlformats.org/drawingml/2006/main" xmlns:r="http://schemas.openxmlformats.org/officeDocument/2006/relationships" xmlns:p="http://schemas.openxmlformats.org/presentationml/2006/main">
+  <p:cSld>
+    <p:spTree>
+      <p:nvGrpSpPr>
+        <p:cNvPr id="1" name=""/>
+        <p:cNvGrpSpPr/>
+        <p:nvPr/>
+      </p:nvGrpSpPr>
+      <p:grpSpPr>
+        <a:xfrm>
+          <a:off x="0" y="0"/>
+          <a:ext cx="0" cy="0"/>
+          <a:chOff x="0" y="0"/>
+          <a:chExt cx="0" cy="0"/>
+        </a:xfrm>
+      </p:grpSpPr>
+      <p:graphicFrame>
+        <p:nvGraphicFramePr>
           <p:cNvPr id="4" name="Espaço Reservado para Conteúdo 3">
             <a:extLst>
               <a:ext uri="{FF2B5EF4-FFF2-40B4-BE49-F238E27FC236}">
@@ -6812,7 +9170,7 @@
             <p:ph idx="1"/>
             <p:extLst>
               <p:ext uri="{D42A27DB-BD31-4B8C-83A1-F6EECF244321}">
-                <p14:modId xmlns:p14="http://schemas.microsoft.com/office/powerpoint/2010/main" val="135050918"/>
+                <p14:modId xmlns:p14="http://schemas.microsoft.com/office/powerpoint/2010/main" val="1589266680"/>
               </p:ext>
             </p:extLst>
           </p:nvPr>
@@ -7324,7 +9682,1538 @@
 </p:sld>
 </file>
 
-<file path=ppt/slides/slide24.xml><?xml version="1.0" encoding="utf-8"?>
+<file path=ppt/slides/slide28.xml><?xml version="1.0" encoding="utf-8"?>
+<p:sld xmlns:a="http://schemas.openxmlformats.org/drawingml/2006/main" xmlns:r="http://schemas.openxmlformats.org/officeDocument/2006/relationships" xmlns:p="http://schemas.openxmlformats.org/presentationml/2006/main">
+  <p:cSld>
+    <p:spTree>
+      <p:nvGrpSpPr>
+        <p:cNvPr id="1" name=""/>
+        <p:cNvGrpSpPr/>
+        <p:nvPr/>
+      </p:nvGrpSpPr>
+      <p:grpSpPr>
+        <a:xfrm>
+          <a:off x="0" y="0"/>
+          <a:ext cx="0" cy="0"/>
+          <a:chOff x="0" y="0"/>
+          <a:chExt cx="0" cy="0"/>
+        </a:xfrm>
+      </p:grpSpPr>
+      <p:graphicFrame>
+        <p:nvGraphicFramePr>
+          <p:cNvPr id="4" name="Tabela 3">
+            <a:extLst>
+              <a:ext uri="{FF2B5EF4-FFF2-40B4-BE49-F238E27FC236}">
+                <a16:creationId xmlns:a16="http://schemas.microsoft.com/office/drawing/2014/main" id="{11B76103-59E6-4ED1-A9B2-1BEC7576C8F0}"/>
+              </a:ext>
+            </a:extLst>
+          </p:cNvPr>
+          <p:cNvGraphicFramePr>
+            <a:graphicFrameLocks noGrp="1"/>
+          </p:cNvGraphicFramePr>
+          <p:nvPr>
+            <p:extLst>
+              <p:ext uri="{D42A27DB-BD31-4B8C-83A1-F6EECF244321}">
+                <p14:modId xmlns:p14="http://schemas.microsoft.com/office/powerpoint/2010/main" val="2345153034"/>
+              </p:ext>
+            </p:extLst>
+          </p:nvPr>
+        </p:nvGraphicFramePr>
+        <p:xfrm>
+          <a:off x="2358887" y="649357"/>
+          <a:ext cx="6795287" cy="5305394"/>
+        </p:xfrm>
+        <a:graphic>
+          <a:graphicData uri="http://schemas.openxmlformats.org/drawingml/2006/table">
+            <a:tbl>
+              <a:tblPr firstRow="1" firstCol="1" bandRow="1">
+                <a:tableStyleId>{9DCAF9ED-07DC-4A11-8D7F-57B35C25682E}</a:tableStyleId>
+              </a:tblPr>
+              <a:tblGrid>
+                <a:gridCol w="6795287">
+                  <a:extLst>
+                    <a:ext uri="{9D8B030D-6E8A-4147-A177-3AD203B41FA5}">
+                      <a16:colId xmlns:a16="http://schemas.microsoft.com/office/drawing/2014/main" val="2184713227"/>
+                    </a:ext>
+                  </a:extLst>
+                </a:gridCol>
+              </a:tblGrid>
+              <a:tr h="227901">
+                <a:tc>
+                  <a:txBody>
+                    <a:bodyPr/>
+                    <a:lstStyle/>
+                    <a:p>
+                      <a:pPr>
+                        <a:lnSpc>
+                          <a:spcPts val="1200"/>
+                        </a:lnSpc>
+                        <a:spcAft>
+                          <a:spcPts val="0"/>
+                        </a:spcAft>
+                      </a:pPr>
+                      <a:r>
+                        <a:rPr lang="pt-BR" sz="1600">
+                          <a:effectLst/>
+                        </a:rPr>
+                        <a:t>Caso de Uso: Alterar pedido de Mesa</a:t>
+                      </a:r>
+                      <a:endParaRPr lang="en-US" sz="1600">
+                        <a:effectLst/>
+                        <a:latin typeface="Times" panose="02020603050405020304" pitchFamily="18" charset="0"/>
+                        <a:ea typeface="Times New Roman" panose="02020603050405020304" pitchFamily="18" charset="0"/>
+                      </a:endParaRPr>
+                    </a:p>
+                  </a:txBody>
+                  <a:tcPr marL="68580" marR="68580" marT="0" marB="0" anchor="ctr"/>
+                </a:tc>
+                <a:extLst>
+                  <a:ext uri="{0D108BD9-81ED-4DB2-BD59-A6C34878D82A}">
+                    <a16:rowId xmlns:a16="http://schemas.microsoft.com/office/drawing/2014/main" val="3344861385"/>
+                  </a:ext>
+                </a:extLst>
+              </a:tr>
+              <a:tr h="227901">
+                <a:tc>
+                  <a:txBody>
+                    <a:bodyPr/>
+                    <a:lstStyle/>
+                    <a:p>
+                      <a:pPr>
+                        <a:lnSpc>
+                          <a:spcPts val="1200"/>
+                        </a:lnSpc>
+                        <a:spcAft>
+                          <a:spcPts val="0"/>
+                        </a:spcAft>
+                      </a:pPr>
+                      <a:r>
+                        <a:rPr lang="pt-BR" sz="1600">
+                          <a:effectLst/>
+                        </a:rPr>
+                        <a:t>Identificação: C6</a:t>
+                      </a:r>
+                      <a:endParaRPr lang="en-US" sz="1600">
+                        <a:effectLst/>
+                        <a:latin typeface="Times" panose="02020603050405020304" pitchFamily="18" charset="0"/>
+                        <a:ea typeface="Times New Roman" panose="02020603050405020304" pitchFamily="18" charset="0"/>
+                      </a:endParaRPr>
+                    </a:p>
+                  </a:txBody>
+                  <a:tcPr marL="68580" marR="68580" marT="0" marB="0" anchor="ctr"/>
+                </a:tc>
+                <a:extLst>
+                  <a:ext uri="{0D108BD9-81ED-4DB2-BD59-A6C34878D82A}">
+                    <a16:rowId xmlns:a16="http://schemas.microsoft.com/office/drawing/2014/main" val="2364582941"/>
+                  </a:ext>
+                </a:extLst>
+              </a:tr>
+              <a:tr h="644794">
+                <a:tc>
+                  <a:txBody>
+                    <a:bodyPr/>
+                    <a:lstStyle/>
+                    <a:p>
+                      <a:pPr>
+                        <a:lnSpc>
+                          <a:spcPts val="1200"/>
+                        </a:lnSpc>
+                        <a:spcAft>
+                          <a:spcPts val="0"/>
+                        </a:spcAft>
+                      </a:pPr>
+                      <a:r>
+                        <a:rPr lang="pt-BR" sz="1600">
+                          <a:effectLst/>
+                        </a:rPr>
+                        <a:t>Descrição:  Cliente muda de mesa dentro do salão do restaurante, com isso os pedidos de uma mesa de origem devem ir para outra mesa de destino.</a:t>
+                      </a:r>
+                      <a:endParaRPr lang="en-US" sz="1600">
+                        <a:effectLst/>
+                        <a:latin typeface="Times" panose="02020603050405020304" pitchFamily="18" charset="0"/>
+                        <a:ea typeface="Times New Roman" panose="02020603050405020304" pitchFamily="18" charset="0"/>
+                      </a:endParaRPr>
+                    </a:p>
+                  </a:txBody>
+                  <a:tcPr marL="68580" marR="68580" marT="0" marB="0" anchor="ctr"/>
+                </a:tc>
+                <a:extLst>
+                  <a:ext uri="{0D108BD9-81ED-4DB2-BD59-A6C34878D82A}">
+                    <a16:rowId xmlns:a16="http://schemas.microsoft.com/office/drawing/2014/main" val="3551411198"/>
+                  </a:ext>
+                </a:extLst>
+              </a:tr>
+              <a:tr h="227901">
+                <a:tc>
+                  <a:txBody>
+                    <a:bodyPr/>
+                    <a:lstStyle/>
+                    <a:p>
+                      <a:pPr>
+                        <a:lnSpc>
+                          <a:spcPts val="1200"/>
+                        </a:lnSpc>
+                        <a:spcAft>
+                          <a:spcPts val="0"/>
+                        </a:spcAft>
+                      </a:pPr>
+                      <a:r>
+                        <a:rPr lang="pt-BR" sz="1600">
+                          <a:effectLst/>
+                        </a:rPr>
+                        <a:t>Ator(es): Garçom</a:t>
+                      </a:r>
+                      <a:endParaRPr lang="en-US" sz="1600">
+                        <a:effectLst/>
+                        <a:latin typeface="Times" panose="02020603050405020304" pitchFamily="18" charset="0"/>
+                        <a:ea typeface="Times New Roman" panose="02020603050405020304" pitchFamily="18" charset="0"/>
+                      </a:endParaRPr>
+                    </a:p>
+                  </a:txBody>
+                  <a:tcPr marL="68580" marR="68580" marT="0" marB="0" anchor="ctr"/>
+                </a:tc>
+                <a:extLst>
+                  <a:ext uri="{0D108BD9-81ED-4DB2-BD59-A6C34878D82A}">
+                    <a16:rowId xmlns:a16="http://schemas.microsoft.com/office/drawing/2014/main" val="4173178166"/>
+                  </a:ext>
+                </a:extLst>
+              </a:tr>
+              <a:tr h="227901">
+                <a:tc>
+                  <a:txBody>
+                    <a:bodyPr/>
+                    <a:lstStyle/>
+                    <a:p>
+                      <a:pPr>
+                        <a:lnSpc>
+                          <a:spcPts val="1200"/>
+                        </a:lnSpc>
+                        <a:spcAft>
+                          <a:spcPts val="0"/>
+                        </a:spcAft>
+                      </a:pPr>
+                      <a:r>
+                        <a:rPr lang="pt-BR" sz="1600">
+                          <a:effectLst/>
+                        </a:rPr>
+                        <a:t>Pré-Condição: Solicitação do cliente para mudar de mesa</a:t>
+                      </a:r>
+                      <a:endParaRPr lang="en-US" sz="1600">
+                        <a:effectLst/>
+                        <a:latin typeface="Times" panose="02020603050405020304" pitchFamily="18" charset="0"/>
+                        <a:ea typeface="Times New Roman" panose="02020603050405020304" pitchFamily="18" charset="0"/>
+                      </a:endParaRPr>
+                    </a:p>
+                  </a:txBody>
+                  <a:tcPr marL="68580" marR="68580" marT="0" marB="0" anchor="ctr"/>
+                </a:tc>
+                <a:extLst>
+                  <a:ext uri="{0D108BD9-81ED-4DB2-BD59-A6C34878D82A}">
+                    <a16:rowId xmlns:a16="http://schemas.microsoft.com/office/drawing/2014/main" val="2406569552"/>
+                  </a:ext>
+                </a:extLst>
+              </a:tr>
+              <a:tr h="436348">
+                <a:tc>
+                  <a:txBody>
+                    <a:bodyPr/>
+                    <a:lstStyle/>
+                    <a:p>
+                      <a:pPr>
+                        <a:lnSpc>
+                          <a:spcPts val="1200"/>
+                        </a:lnSpc>
+                        <a:spcAft>
+                          <a:spcPts val="0"/>
+                        </a:spcAft>
+                      </a:pPr>
+                      <a:r>
+                        <a:rPr lang="pt-BR" sz="1600">
+                          <a:effectLst/>
+                        </a:rPr>
+                        <a:t>Pós-Condição: Pedidos que não foram finalizados vão para a mesa de destino</a:t>
+                      </a:r>
+                      <a:endParaRPr lang="en-US" sz="1600">
+                        <a:effectLst/>
+                        <a:latin typeface="Times" panose="02020603050405020304" pitchFamily="18" charset="0"/>
+                        <a:ea typeface="Times New Roman" panose="02020603050405020304" pitchFamily="18" charset="0"/>
+                      </a:endParaRPr>
+                    </a:p>
+                  </a:txBody>
+                  <a:tcPr marL="68580" marR="68580" marT="0" marB="0" anchor="ctr"/>
+                </a:tc>
+                <a:extLst>
+                  <a:ext uri="{0D108BD9-81ED-4DB2-BD59-A6C34878D82A}">
+                    <a16:rowId xmlns:a16="http://schemas.microsoft.com/office/drawing/2014/main" val="3248940425"/>
+                  </a:ext>
+                </a:extLst>
+              </a:tr>
+              <a:tr h="1960873">
+                <a:tc>
+                  <a:txBody>
+                    <a:bodyPr/>
+                    <a:lstStyle/>
+                    <a:p>
+                      <a:pPr>
+                        <a:lnSpc>
+                          <a:spcPts val="1200"/>
+                        </a:lnSpc>
+                        <a:spcAft>
+                          <a:spcPts val="0"/>
+                        </a:spcAft>
+                      </a:pPr>
+                      <a:r>
+                        <a:rPr lang="pt-BR" sz="1600">
+                          <a:effectLst/>
+                        </a:rPr>
+                        <a:t>Curso Normal: </a:t>
+                      </a:r>
+                      <a:endParaRPr lang="en-US" sz="1600">
+                        <a:effectLst/>
+                      </a:endParaRPr>
+                    </a:p>
+                    <a:p>
+                      <a:pPr marL="342900" lvl="0" indent="-342900">
+                        <a:lnSpc>
+                          <a:spcPct val="106000"/>
+                        </a:lnSpc>
+                        <a:spcAft>
+                          <a:spcPts val="0"/>
+                        </a:spcAft>
+                        <a:buFont typeface="+mj-lt"/>
+                        <a:buAutoNum type="arabicPeriod"/>
+                      </a:pPr>
+                      <a:r>
+                        <a:rPr lang="pt-BR" sz="1600">
+                          <a:effectLst/>
+                        </a:rPr>
+                        <a:t>Cliente solicita a mudança de mesa para o garçom</a:t>
+                      </a:r>
+                      <a:endParaRPr lang="en-US" sz="1400">
+                        <a:effectLst/>
+                      </a:endParaRPr>
+                    </a:p>
+                    <a:p>
+                      <a:pPr marL="342900" lvl="0" indent="-342900">
+                        <a:lnSpc>
+                          <a:spcPct val="106000"/>
+                        </a:lnSpc>
+                        <a:spcAft>
+                          <a:spcPts val="0"/>
+                        </a:spcAft>
+                        <a:buFont typeface="+mj-lt"/>
+                        <a:buAutoNum type="arabicPeriod"/>
+                      </a:pPr>
+                      <a:r>
+                        <a:rPr lang="pt-BR" sz="1600">
+                          <a:effectLst/>
+                        </a:rPr>
+                        <a:t>O Garçom no tablet acessa o menu “operações” e escolhe a opção “mudar de mesa”.</a:t>
+                      </a:r>
+                      <a:endParaRPr lang="en-US" sz="1400">
+                        <a:effectLst/>
+                      </a:endParaRPr>
+                    </a:p>
+                    <a:p>
+                      <a:pPr marL="342900" lvl="0" indent="-342900">
+                        <a:lnSpc>
+                          <a:spcPct val="106000"/>
+                        </a:lnSpc>
+                        <a:spcAft>
+                          <a:spcPts val="0"/>
+                        </a:spcAft>
+                        <a:buFont typeface="+mj-lt"/>
+                        <a:buAutoNum type="arabicPeriod"/>
+                      </a:pPr>
+                      <a:r>
+                        <a:rPr lang="pt-BR" sz="1600">
+                          <a:effectLst/>
+                        </a:rPr>
+                        <a:t>O Garçom informa no sistema qual a mesa de origem</a:t>
+                      </a:r>
+                      <a:endParaRPr lang="en-US" sz="1400">
+                        <a:effectLst/>
+                      </a:endParaRPr>
+                    </a:p>
+                    <a:p>
+                      <a:pPr marL="342900" lvl="0" indent="-342900">
+                        <a:lnSpc>
+                          <a:spcPct val="106000"/>
+                        </a:lnSpc>
+                        <a:spcAft>
+                          <a:spcPts val="0"/>
+                        </a:spcAft>
+                        <a:buFont typeface="+mj-lt"/>
+                        <a:buAutoNum type="arabicPeriod"/>
+                      </a:pPr>
+                      <a:r>
+                        <a:rPr lang="pt-BR" sz="1600">
+                          <a:effectLst/>
+                        </a:rPr>
+                        <a:t>O Garçom informa a mesa de destino </a:t>
+                      </a:r>
+                      <a:endParaRPr lang="en-US" sz="1400">
+                        <a:effectLst/>
+                        <a:latin typeface="Calibri" panose="020F0502020204030204" pitchFamily="34" charset="0"/>
+                        <a:ea typeface="Calibri" panose="020F0502020204030204" pitchFamily="34" charset="0"/>
+                        <a:cs typeface="Times New Roman" panose="02020603050405020304" pitchFamily="18" charset="0"/>
+                      </a:endParaRPr>
+                    </a:p>
+                  </a:txBody>
+                  <a:tcPr marL="68580" marR="68580" marT="0" marB="0" anchor="ctr"/>
+                </a:tc>
+                <a:extLst>
+                  <a:ext uri="{0D108BD9-81ED-4DB2-BD59-A6C34878D82A}">
+                    <a16:rowId xmlns:a16="http://schemas.microsoft.com/office/drawing/2014/main" val="2426784780"/>
+                  </a:ext>
+                </a:extLst>
+              </a:tr>
+              <a:tr h="1351775">
+                <a:tc>
+                  <a:txBody>
+                    <a:bodyPr/>
+                    <a:lstStyle/>
+                    <a:p>
+                      <a:pPr>
+                        <a:lnSpc>
+                          <a:spcPts val="1200"/>
+                        </a:lnSpc>
+                        <a:spcAft>
+                          <a:spcPts val="0"/>
+                        </a:spcAft>
+                      </a:pPr>
+                      <a:r>
+                        <a:rPr lang="pt-BR" sz="1600" dirty="0">
+                          <a:effectLst/>
+                        </a:rPr>
+                        <a:t>Tratamento de Exceções: </a:t>
+                      </a:r>
+                      <a:endParaRPr lang="en-US" sz="1600" dirty="0">
+                        <a:effectLst/>
+                      </a:endParaRPr>
+                    </a:p>
+                    <a:p>
+                      <a:pPr marL="342900" lvl="0" indent="-342900">
+                        <a:lnSpc>
+                          <a:spcPct val="106000"/>
+                        </a:lnSpc>
+                        <a:spcAft>
+                          <a:spcPts val="0"/>
+                        </a:spcAft>
+                        <a:buFont typeface="+mj-lt"/>
+                        <a:buAutoNum type="arabicPeriod"/>
+                      </a:pPr>
+                      <a:r>
+                        <a:rPr lang="pt-BR" sz="1600" dirty="0">
+                          <a:effectLst/>
+                        </a:rPr>
+                        <a:t>O garçom tenta colocar uma mesa de destino que se encontra ocupada ou reservada.</a:t>
+                      </a:r>
+                      <a:endParaRPr lang="en-US" sz="1400" dirty="0">
+                        <a:effectLst/>
+                      </a:endParaRPr>
+                    </a:p>
+                    <a:p>
+                      <a:pPr marL="742950" lvl="1" indent="-285750">
+                        <a:lnSpc>
+                          <a:spcPts val="1200"/>
+                        </a:lnSpc>
+                        <a:spcAft>
+                          <a:spcPts val="0"/>
+                        </a:spcAft>
+                        <a:buFont typeface="+mj-lt"/>
+                        <a:buAutoNum type="arabicPeriod"/>
+                      </a:pPr>
+                      <a:r>
+                        <a:rPr lang="pt-BR" sz="1600" dirty="0">
+                          <a:effectLst/>
+                        </a:rPr>
+                        <a:t>O Sistema irá informar que a mesa está ocupada/reservada e não pode ser feito a mudança.</a:t>
+                      </a:r>
+                      <a:endParaRPr lang="en-US" sz="1600" dirty="0">
+                        <a:effectLst/>
+                        <a:latin typeface="Times" panose="02020603050405020304" pitchFamily="18" charset="0"/>
+                        <a:ea typeface="Times New Roman" panose="02020603050405020304" pitchFamily="18" charset="0"/>
+                      </a:endParaRPr>
+                    </a:p>
+                  </a:txBody>
+                  <a:tcPr marL="68580" marR="68580" marT="0" marB="0" anchor="ctr"/>
+                </a:tc>
+                <a:extLst>
+                  <a:ext uri="{0D108BD9-81ED-4DB2-BD59-A6C34878D82A}">
+                    <a16:rowId xmlns:a16="http://schemas.microsoft.com/office/drawing/2014/main" val="3558802733"/>
+                  </a:ext>
+                </a:extLst>
+              </a:tr>
+            </a:tbl>
+          </a:graphicData>
+        </a:graphic>
+      </p:graphicFrame>
+    </p:spTree>
+    <p:extLst>
+      <p:ext uri="{BB962C8B-B14F-4D97-AF65-F5344CB8AC3E}">
+        <p14:creationId xmlns:p14="http://schemas.microsoft.com/office/powerpoint/2010/main" val="879834557"/>
+      </p:ext>
+    </p:extLst>
+  </p:cSld>
+  <p:clrMapOvr>
+    <a:masterClrMapping/>
+  </p:clrMapOvr>
+</p:sld>
+</file>
+
+<file path=ppt/slides/slide29.xml><?xml version="1.0" encoding="utf-8"?>
+<p:sld xmlns:a="http://schemas.openxmlformats.org/drawingml/2006/main" xmlns:r="http://schemas.openxmlformats.org/officeDocument/2006/relationships" xmlns:p="http://schemas.openxmlformats.org/presentationml/2006/main">
+  <p:cSld>
+    <p:spTree>
+      <p:nvGrpSpPr>
+        <p:cNvPr id="1" name=""/>
+        <p:cNvGrpSpPr/>
+        <p:nvPr/>
+      </p:nvGrpSpPr>
+      <p:grpSpPr>
+        <a:xfrm>
+          <a:off x="0" y="0"/>
+          <a:ext cx="0" cy="0"/>
+          <a:chOff x="0" y="0"/>
+          <a:chExt cx="0" cy="0"/>
+        </a:xfrm>
+      </p:grpSpPr>
+      <p:graphicFrame>
+        <p:nvGraphicFramePr>
+          <p:cNvPr id="4" name="Tabela 3">
+            <a:extLst>
+              <a:ext uri="{FF2B5EF4-FFF2-40B4-BE49-F238E27FC236}">
+                <a16:creationId xmlns:a16="http://schemas.microsoft.com/office/drawing/2014/main" id="{C6645D1B-F127-4930-A7C0-A3C051BD99D3}"/>
+              </a:ext>
+            </a:extLst>
+          </p:cNvPr>
+          <p:cNvGraphicFramePr>
+            <a:graphicFrameLocks noGrp="1"/>
+          </p:cNvGraphicFramePr>
+          <p:nvPr>
+            <p:extLst>
+              <p:ext uri="{D42A27DB-BD31-4B8C-83A1-F6EECF244321}">
+                <p14:modId xmlns:p14="http://schemas.microsoft.com/office/powerpoint/2010/main" val="3175194047"/>
+              </p:ext>
+            </p:extLst>
+          </p:nvPr>
+        </p:nvGraphicFramePr>
+        <p:xfrm>
+          <a:off x="2266121" y="1179443"/>
+          <a:ext cx="7206105" cy="4497819"/>
+        </p:xfrm>
+        <a:graphic>
+          <a:graphicData uri="http://schemas.openxmlformats.org/drawingml/2006/table">
+            <a:tbl>
+              <a:tblPr firstRow="1" firstCol="1" bandRow="1">
+                <a:tableStyleId>{9DCAF9ED-07DC-4A11-8D7F-57B35C25682E}</a:tableStyleId>
+              </a:tblPr>
+              <a:tblGrid>
+                <a:gridCol w="7206105">
+                  <a:extLst>
+                    <a:ext uri="{9D8B030D-6E8A-4147-A177-3AD203B41FA5}">
+                      <a16:colId xmlns:a16="http://schemas.microsoft.com/office/drawing/2014/main" val="3612557388"/>
+                    </a:ext>
+                  </a:extLst>
+                </a:gridCol>
+              </a:tblGrid>
+              <a:tr h="270375">
+                <a:tc>
+                  <a:txBody>
+                    <a:bodyPr/>
+                    <a:lstStyle/>
+                    <a:p>
+                      <a:pPr>
+                        <a:lnSpc>
+                          <a:spcPts val="1200"/>
+                        </a:lnSpc>
+                        <a:spcAft>
+                          <a:spcPts val="0"/>
+                        </a:spcAft>
+                      </a:pPr>
+                      <a:r>
+                        <a:rPr lang="pt-BR" sz="1600">
+                          <a:effectLst/>
+                        </a:rPr>
+                        <a:t>Caso de Uso: Fechar Conta</a:t>
+                      </a:r>
+                      <a:endParaRPr lang="en-US" sz="1600">
+                        <a:effectLst/>
+                        <a:latin typeface="Times" panose="02020603050405020304" pitchFamily="18" charset="0"/>
+                        <a:ea typeface="Times New Roman" panose="02020603050405020304" pitchFamily="18" charset="0"/>
+                      </a:endParaRPr>
+                    </a:p>
+                  </a:txBody>
+                  <a:tcPr marL="68580" marR="68580" marT="0" marB="0" anchor="ctr"/>
+                </a:tc>
+                <a:extLst>
+                  <a:ext uri="{0D108BD9-81ED-4DB2-BD59-A6C34878D82A}">
+                    <a16:rowId xmlns:a16="http://schemas.microsoft.com/office/drawing/2014/main" val="1621720645"/>
+                  </a:ext>
+                </a:extLst>
+              </a:tr>
+              <a:tr h="270375">
+                <a:tc>
+                  <a:txBody>
+                    <a:bodyPr/>
+                    <a:lstStyle/>
+                    <a:p>
+                      <a:pPr>
+                        <a:lnSpc>
+                          <a:spcPts val="1200"/>
+                        </a:lnSpc>
+                        <a:spcAft>
+                          <a:spcPts val="0"/>
+                        </a:spcAft>
+                      </a:pPr>
+                      <a:r>
+                        <a:rPr lang="pt-BR" sz="1600">
+                          <a:effectLst/>
+                        </a:rPr>
+                        <a:t>Identificação: C7</a:t>
+                      </a:r>
+                      <a:endParaRPr lang="en-US" sz="1600">
+                        <a:effectLst/>
+                        <a:latin typeface="Times" panose="02020603050405020304" pitchFamily="18" charset="0"/>
+                        <a:ea typeface="Times New Roman" panose="02020603050405020304" pitchFamily="18" charset="0"/>
+                      </a:endParaRPr>
+                    </a:p>
+                  </a:txBody>
+                  <a:tcPr marL="68580" marR="68580" marT="0" marB="0" anchor="ctr"/>
+                </a:tc>
+                <a:extLst>
+                  <a:ext uri="{0D108BD9-81ED-4DB2-BD59-A6C34878D82A}">
+                    <a16:rowId xmlns:a16="http://schemas.microsoft.com/office/drawing/2014/main" val="1393102452"/>
+                  </a:ext>
+                </a:extLst>
+              </a:tr>
+              <a:tr h="764963">
+                <a:tc>
+                  <a:txBody>
+                    <a:bodyPr/>
+                    <a:lstStyle/>
+                    <a:p>
+                      <a:pPr>
+                        <a:lnSpc>
+                          <a:spcPts val="1200"/>
+                        </a:lnSpc>
+                        <a:spcAft>
+                          <a:spcPts val="0"/>
+                        </a:spcAft>
+                      </a:pPr>
+                      <a:r>
+                        <a:rPr lang="pt-BR" sz="1600">
+                          <a:effectLst/>
+                        </a:rPr>
+                        <a:t>Descrição:  Clientes que finalizam os pedidos, ao sair do restaurante solicitam o fechamento de conta ao Garçom para poderem efetuar o pagamento.</a:t>
+                      </a:r>
+                      <a:endParaRPr lang="en-US" sz="1600">
+                        <a:effectLst/>
+                        <a:latin typeface="Times" panose="02020603050405020304" pitchFamily="18" charset="0"/>
+                        <a:ea typeface="Times New Roman" panose="02020603050405020304" pitchFamily="18" charset="0"/>
+                      </a:endParaRPr>
+                    </a:p>
+                  </a:txBody>
+                  <a:tcPr marL="68580" marR="68580" marT="0" marB="0" anchor="ctr"/>
+                </a:tc>
+                <a:extLst>
+                  <a:ext uri="{0D108BD9-81ED-4DB2-BD59-A6C34878D82A}">
+                    <a16:rowId xmlns:a16="http://schemas.microsoft.com/office/drawing/2014/main" val="1324617225"/>
+                  </a:ext>
+                </a:extLst>
+              </a:tr>
+              <a:tr h="270375">
+                <a:tc>
+                  <a:txBody>
+                    <a:bodyPr/>
+                    <a:lstStyle/>
+                    <a:p>
+                      <a:pPr>
+                        <a:lnSpc>
+                          <a:spcPts val="1200"/>
+                        </a:lnSpc>
+                        <a:spcAft>
+                          <a:spcPts val="0"/>
+                        </a:spcAft>
+                      </a:pPr>
+                      <a:r>
+                        <a:rPr lang="pt-BR" sz="1600">
+                          <a:effectLst/>
+                        </a:rPr>
+                        <a:t>Ator(es): Frente de Caixa</a:t>
+                      </a:r>
+                      <a:endParaRPr lang="en-US" sz="1600">
+                        <a:effectLst/>
+                        <a:latin typeface="Times" panose="02020603050405020304" pitchFamily="18" charset="0"/>
+                        <a:ea typeface="Times New Roman" panose="02020603050405020304" pitchFamily="18" charset="0"/>
+                      </a:endParaRPr>
+                    </a:p>
+                  </a:txBody>
+                  <a:tcPr marL="68580" marR="68580" marT="0" marB="0" anchor="ctr"/>
+                </a:tc>
+                <a:extLst>
+                  <a:ext uri="{0D108BD9-81ED-4DB2-BD59-A6C34878D82A}">
+                    <a16:rowId xmlns:a16="http://schemas.microsoft.com/office/drawing/2014/main" val="1790580519"/>
+                  </a:ext>
+                </a:extLst>
+              </a:tr>
+              <a:tr h="270375">
+                <a:tc>
+                  <a:txBody>
+                    <a:bodyPr/>
+                    <a:lstStyle/>
+                    <a:p>
+                      <a:pPr>
+                        <a:lnSpc>
+                          <a:spcPts val="1200"/>
+                        </a:lnSpc>
+                        <a:spcAft>
+                          <a:spcPts val="0"/>
+                        </a:spcAft>
+                      </a:pPr>
+                      <a:r>
+                        <a:rPr lang="pt-BR" sz="1600">
+                          <a:effectLst/>
+                        </a:rPr>
+                        <a:t>Pré-Condição: Solicitação do cliente para fechamento da conta</a:t>
+                      </a:r>
+                      <a:endParaRPr lang="en-US" sz="1600">
+                        <a:effectLst/>
+                        <a:latin typeface="Times" panose="02020603050405020304" pitchFamily="18" charset="0"/>
+                        <a:ea typeface="Times New Roman" panose="02020603050405020304" pitchFamily="18" charset="0"/>
+                      </a:endParaRPr>
+                    </a:p>
+                  </a:txBody>
+                  <a:tcPr marL="68580" marR="68580" marT="0" marB="0" anchor="ctr"/>
+                </a:tc>
+                <a:extLst>
+                  <a:ext uri="{0D108BD9-81ED-4DB2-BD59-A6C34878D82A}">
+                    <a16:rowId xmlns:a16="http://schemas.microsoft.com/office/drawing/2014/main" val="2056338932"/>
+                  </a:ext>
+                </a:extLst>
+              </a:tr>
+              <a:tr h="270375">
+                <a:tc>
+                  <a:txBody>
+                    <a:bodyPr/>
+                    <a:lstStyle/>
+                    <a:p>
+                      <a:pPr>
+                        <a:lnSpc>
+                          <a:spcPts val="1200"/>
+                        </a:lnSpc>
+                        <a:spcAft>
+                          <a:spcPts val="0"/>
+                        </a:spcAft>
+                      </a:pPr>
+                      <a:r>
+                        <a:rPr lang="pt-BR" sz="1600">
+                          <a:effectLst/>
+                        </a:rPr>
+                        <a:t>Pós-Condição: Conta fechada</a:t>
+                      </a:r>
+                      <a:endParaRPr lang="en-US" sz="1600">
+                        <a:effectLst/>
+                        <a:latin typeface="Times" panose="02020603050405020304" pitchFamily="18" charset="0"/>
+                        <a:ea typeface="Times New Roman" panose="02020603050405020304" pitchFamily="18" charset="0"/>
+                      </a:endParaRPr>
+                    </a:p>
+                  </a:txBody>
+                  <a:tcPr marL="68580" marR="68580" marT="0" marB="0" anchor="ctr"/>
+                </a:tc>
+                <a:extLst>
+                  <a:ext uri="{0D108BD9-81ED-4DB2-BD59-A6C34878D82A}">
+                    <a16:rowId xmlns:a16="http://schemas.microsoft.com/office/drawing/2014/main" val="1551206826"/>
+                  </a:ext>
+                </a:extLst>
+              </a:tr>
+              <a:tr h="2110606">
+                <a:tc>
+                  <a:txBody>
+                    <a:bodyPr/>
+                    <a:lstStyle/>
+                    <a:p>
+                      <a:pPr>
+                        <a:lnSpc>
+                          <a:spcPts val="1200"/>
+                        </a:lnSpc>
+                        <a:spcAft>
+                          <a:spcPts val="0"/>
+                        </a:spcAft>
+                      </a:pPr>
+                      <a:r>
+                        <a:rPr lang="pt-BR" sz="1600" dirty="0">
+                          <a:effectLst/>
+                        </a:rPr>
+                        <a:t>Curso Normal: </a:t>
+                      </a:r>
+                      <a:endParaRPr lang="en-US" sz="1600" dirty="0">
+                        <a:effectLst/>
+                      </a:endParaRPr>
+                    </a:p>
+                    <a:p>
+                      <a:pPr marL="342900" lvl="0" indent="-342900">
+                        <a:lnSpc>
+                          <a:spcPct val="106000"/>
+                        </a:lnSpc>
+                        <a:spcAft>
+                          <a:spcPts val="0"/>
+                        </a:spcAft>
+                        <a:buFont typeface="+mj-lt"/>
+                        <a:buAutoNum type="arabicPeriod"/>
+                      </a:pPr>
+                      <a:r>
+                        <a:rPr lang="pt-BR" sz="1600" dirty="0">
+                          <a:effectLst/>
+                        </a:rPr>
+                        <a:t>Cliente solicita o encerramento de conta para o garçom</a:t>
+                      </a:r>
+                      <a:endParaRPr lang="en-US" sz="1400" dirty="0">
+                        <a:effectLst/>
+                      </a:endParaRPr>
+                    </a:p>
+                    <a:p>
+                      <a:pPr marL="342900" lvl="0" indent="-342900">
+                        <a:lnSpc>
+                          <a:spcPct val="106000"/>
+                        </a:lnSpc>
+                        <a:spcAft>
+                          <a:spcPts val="0"/>
+                        </a:spcAft>
+                        <a:buFont typeface="+mj-lt"/>
+                        <a:buAutoNum type="arabicPeriod"/>
+                      </a:pPr>
+                      <a:r>
+                        <a:rPr lang="pt-BR" sz="1600" dirty="0">
+                          <a:effectLst/>
+                        </a:rPr>
+                        <a:t>O garçom solicita ao frente de caixa a impressão da comanda para ser entregue ao cliente.</a:t>
+                      </a:r>
+                      <a:endParaRPr lang="en-US" sz="1400" dirty="0">
+                        <a:effectLst/>
+                      </a:endParaRPr>
+                    </a:p>
+                    <a:p>
+                      <a:pPr marL="342900" lvl="0" indent="-342900">
+                        <a:lnSpc>
+                          <a:spcPct val="106000"/>
+                        </a:lnSpc>
+                        <a:spcAft>
+                          <a:spcPts val="0"/>
+                        </a:spcAft>
+                        <a:buFont typeface="+mj-lt"/>
+                        <a:buAutoNum type="arabicPeriod"/>
+                      </a:pPr>
+                      <a:r>
+                        <a:rPr lang="pt-BR" sz="1600" dirty="0">
+                          <a:effectLst/>
+                        </a:rPr>
+                        <a:t>O frente de caixa lista os itens pedidos pelo cliente e agrupa na nota</a:t>
+                      </a:r>
+                      <a:endParaRPr lang="en-US" sz="1400" dirty="0">
+                        <a:effectLst/>
+                      </a:endParaRPr>
+                    </a:p>
+                    <a:p>
+                      <a:pPr marL="342900" lvl="0" indent="-342900">
+                        <a:lnSpc>
+                          <a:spcPct val="106000"/>
+                        </a:lnSpc>
+                        <a:spcAft>
+                          <a:spcPts val="0"/>
+                        </a:spcAft>
+                        <a:buFont typeface="+mj-lt"/>
+                        <a:buAutoNum type="arabicPeriod"/>
+                      </a:pPr>
+                      <a:r>
+                        <a:rPr lang="pt-BR" sz="1600" dirty="0">
+                          <a:effectLst/>
+                        </a:rPr>
+                        <a:t>O frente de caixa recebe o pagamento que pode ser parcial ou total.</a:t>
+                      </a:r>
+                      <a:endParaRPr lang="en-US" sz="1400" dirty="0">
+                        <a:effectLst/>
+                        <a:latin typeface="Calibri" panose="020F0502020204030204" pitchFamily="34" charset="0"/>
+                        <a:ea typeface="Calibri" panose="020F0502020204030204" pitchFamily="34" charset="0"/>
+                        <a:cs typeface="Times New Roman" panose="02020603050405020304" pitchFamily="18" charset="0"/>
+                      </a:endParaRPr>
+                    </a:p>
+                  </a:txBody>
+                  <a:tcPr marL="68580" marR="68580" marT="0" marB="0" anchor="ctr"/>
+                </a:tc>
+                <a:extLst>
+                  <a:ext uri="{0D108BD9-81ED-4DB2-BD59-A6C34878D82A}">
+                    <a16:rowId xmlns:a16="http://schemas.microsoft.com/office/drawing/2014/main" val="2317648311"/>
+                  </a:ext>
+                </a:extLst>
+              </a:tr>
+              <a:tr h="270375">
+                <a:tc>
+                  <a:txBody>
+                    <a:bodyPr/>
+                    <a:lstStyle/>
+                    <a:p>
+                      <a:pPr>
+                        <a:lnSpc>
+                          <a:spcPts val="1200"/>
+                        </a:lnSpc>
+                        <a:spcAft>
+                          <a:spcPts val="0"/>
+                        </a:spcAft>
+                      </a:pPr>
+                      <a:r>
+                        <a:rPr lang="pt-BR" sz="1600" dirty="0">
+                          <a:effectLst/>
+                        </a:rPr>
+                        <a:t>Tratamento de Exceções: Não se aplica</a:t>
+                      </a:r>
+                      <a:endParaRPr lang="en-US" sz="1600" dirty="0">
+                        <a:effectLst/>
+                        <a:latin typeface="Times" panose="02020603050405020304" pitchFamily="18" charset="0"/>
+                        <a:ea typeface="Times New Roman" panose="02020603050405020304" pitchFamily="18" charset="0"/>
+                      </a:endParaRPr>
+                    </a:p>
+                  </a:txBody>
+                  <a:tcPr marL="68580" marR="68580" marT="0" marB="0" anchor="ctr"/>
+                </a:tc>
+                <a:extLst>
+                  <a:ext uri="{0D108BD9-81ED-4DB2-BD59-A6C34878D82A}">
+                    <a16:rowId xmlns:a16="http://schemas.microsoft.com/office/drawing/2014/main" val="839441360"/>
+                  </a:ext>
+                </a:extLst>
+              </a:tr>
+            </a:tbl>
+          </a:graphicData>
+        </a:graphic>
+      </p:graphicFrame>
+    </p:spTree>
+    <p:extLst>
+      <p:ext uri="{BB962C8B-B14F-4D97-AF65-F5344CB8AC3E}">
+        <p14:creationId xmlns:p14="http://schemas.microsoft.com/office/powerpoint/2010/main" val="2222932196"/>
+      </p:ext>
+    </p:extLst>
+  </p:cSld>
+  <p:clrMapOvr>
+    <a:masterClrMapping/>
+  </p:clrMapOvr>
+</p:sld>
+</file>
+
+<file path=ppt/slides/slide3.xml><?xml version="1.0" encoding="utf-8"?>
+<p:sld xmlns:a="http://schemas.openxmlformats.org/drawingml/2006/main" xmlns:r="http://schemas.openxmlformats.org/officeDocument/2006/relationships" xmlns:p="http://schemas.openxmlformats.org/presentationml/2006/main">
+  <p:cSld>
+    <p:spTree>
+      <p:nvGrpSpPr>
+        <p:cNvPr id="1" name=""/>
+        <p:cNvGrpSpPr/>
+        <p:nvPr/>
+      </p:nvGrpSpPr>
+      <p:grpSpPr>
+        <a:xfrm>
+          <a:off x="0" y="0"/>
+          <a:ext cx="0" cy="0"/>
+          <a:chOff x="0" y="0"/>
+          <a:chExt cx="0" cy="0"/>
+        </a:xfrm>
+      </p:grpSpPr>
+      <p:sp>
+        <p:nvSpPr>
+          <p:cNvPr id="2" name="Título 1"/>
+          <p:cNvSpPr>
+            <a:spLocks noGrp="1"/>
+          </p:cNvSpPr>
+          <p:nvPr>
+            <p:ph type="title"/>
+          </p:nvPr>
+        </p:nvSpPr>
+        <p:spPr/>
+        <p:txBody>
+          <a:bodyPr/>
+          <a:lstStyle/>
+          <a:p>
+            <a:r>
+              <a:rPr lang="pt-BR" b="1" dirty="0"/>
+              <a:t>Requisitos Funcionais</a:t>
+            </a:r>
+            <a:endParaRPr lang="en-US" b="1" dirty="0"/>
+          </a:p>
+        </p:txBody>
+      </p:sp>
+      <p:sp>
+        <p:nvSpPr>
+          <p:cNvPr id="3" name="Espaço Reservado para Conteúdo 2"/>
+          <p:cNvSpPr>
+            <a:spLocks noGrp="1"/>
+          </p:cNvSpPr>
+          <p:nvPr>
+            <p:ph idx="1"/>
+          </p:nvPr>
+        </p:nvSpPr>
+        <p:spPr/>
+        <p:txBody>
+          <a:bodyPr>
+            <a:normAutofit/>
+          </a:bodyPr>
+          <a:lstStyle/>
+          <a:p>
+            <a:pPr marL="354330" indent="-285750">
+              <a:spcBef>
+                <a:spcPts val="200"/>
+              </a:spcBef>
+              <a:spcAft>
+                <a:spcPts val="400"/>
+              </a:spcAft>
+              <a:buFont typeface="Arial" panose="020B0604020202020204" pitchFamily="34" charset="0"/>
+              <a:buChar char="•"/>
+            </a:pPr>
+            <a:r>
+              <a:rPr lang="pt-BR" sz="2800" b="1" dirty="0"/>
+              <a:t>FUNC001 Gerenciamento Funcionários</a:t>
+            </a:r>
+          </a:p>
+          <a:p>
+            <a:pPr lvl="2">
+              <a:buFont typeface="Arial" panose="020B0604020202020204" pitchFamily="34" charset="0"/>
+              <a:buChar char="•"/>
+            </a:pPr>
+            <a:r>
+              <a:rPr lang="pt-BR" sz="2400" dirty="0"/>
+              <a:t>RF001 Gerenciamento de Funcionário</a:t>
+            </a:r>
+          </a:p>
+          <a:p>
+            <a:pPr lvl="3"/>
+            <a:r>
+              <a:rPr lang="pt-BR" sz="1800" dirty="0"/>
+              <a:t>Cadastro de dados pessoais obrigatórios: [CPF, Nome, Cidade, Endereço, Complemento, Bairro, CEP, Data de Nascimento, Telefone Celular] e opcional [Telefone Residencial].</a:t>
+            </a:r>
+            <a:endParaRPr lang="en-US" sz="1800" dirty="0"/>
+          </a:p>
+          <a:p>
+            <a:pPr lvl="3"/>
+            <a:r>
+              <a:rPr lang="pt-BR" sz="1800" dirty="0"/>
+              <a:t>Cadastro de dados funcionais obrigatórios: [Data de Admissão, Perfil (garçom, cozinheiro ou gerente), PIS, Salário, Status (ativo ou inativo) e Comissão] e opcional no momento do cadastro [Data de Demissão]</a:t>
+            </a:r>
+          </a:p>
+          <a:p>
+            <a:pPr lvl="3"/>
+            <a:endParaRPr lang="pt-BR" sz="1800" dirty="0"/>
+          </a:p>
+          <a:p>
+            <a:pPr lvl="2">
+              <a:buFont typeface="Arial" panose="020B0604020202020204" pitchFamily="34" charset="0"/>
+              <a:buChar char="•"/>
+            </a:pPr>
+            <a:endParaRPr lang="en-US" sz="2400" dirty="0"/>
+          </a:p>
+          <a:p>
+            <a:pPr>
+              <a:buFont typeface="Arial" panose="020B0604020202020204" pitchFamily="34" charset="0"/>
+              <a:buChar char="•"/>
+            </a:pPr>
+            <a:endParaRPr lang="en-US" dirty="0"/>
+          </a:p>
+        </p:txBody>
+      </p:sp>
+      <p:pic>
+        <p:nvPicPr>
+          <p:cNvPr id="4" name="Imagem 3"/>
+          <p:cNvPicPr>
+            <a:picLocks noChangeAspect="1"/>
+          </p:cNvPicPr>
+          <p:nvPr/>
+        </p:nvPicPr>
+        <p:blipFill>
+          <a:blip r:embed="rId2"/>
+          <a:stretch>
+            <a:fillRect/>
+          </a:stretch>
+        </p:blipFill>
+        <p:spPr>
+          <a:xfrm>
+            <a:off x="10053496" y="792730"/>
+            <a:ext cx="998817" cy="998817"/>
+          </a:xfrm>
+          <a:prstGeom prst="rect">
+            <a:avLst/>
+          </a:prstGeom>
+        </p:spPr>
+      </p:pic>
+    </p:spTree>
+    <p:extLst>
+      <p:ext uri="{BB962C8B-B14F-4D97-AF65-F5344CB8AC3E}">
+        <p14:creationId xmlns:p14="http://schemas.microsoft.com/office/powerpoint/2010/main" val="3570725611"/>
+      </p:ext>
+    </p:extLst>
+  </p:cSld>
+  <p:clrMapOvr>
+    <a:masterClrMapping/>
+  </p:clrMapOvr>
+</p:sld>
+</file>
+
+<file path=ppt/slides/slide30.xml><?xml version="1.0" encoding="utf-8"?>
+<p:sld xmlns:a="http://schemas.openxmlformats.org/drawingml/2006/main" xmlns:r="http://schemas.openxmlformats.org/officeDocument/2006/relationships" xmlns:p="http://schemas.openxmlformats.org/presentationml/2006/main">
+  <p:cSld>
+    <p:spTree>
+      <p:nvGrpSpPr>
+        <p:cNvPr id="1" name=""/>
+        <p:cNvGrpSpPr/>
+        <p:nvPr/>
+      </p:nvGrpSpPr>
+      <p:grpSpPr>
+        <a:xfrm>
+          <a:off x="0" y="0"/>
+          <a:ext cx="0" cy="0"/>
+          <a:chOff x="0" y="0"/>
+          <a:chExt cx="0" cy="0"/>
+        </a:xfrm>
+      </p:grpSpPr>
+      <p:graphicFrame>
+        <p:nvGraphicFramePr>
+          <p:cNvPr id="4" name="Tabela 3">
+            <a:extLst>
+              <a:ext uri="{FF2B5EF4-FFF2-40B4-BE49-F238E27FC236}">
+                <a16:creationId xmlns:a16="http://schemas.microsoft.com/office/drawing/2014/main" id="{285CDBC1-6C45-421B-A53E-B6DEB9284C15}"/>
+              </a:ext>
+            </a:extLst>
+          </p:cNvPr>
+          <p:cNvGraphicFramePr>
+            <a:graphicFrameLocks noGrp="1"/>
+          </p:cNvGraphicFramePr>
+          <p:nvPr>
+            <p:extLst>
+              <p:ext uri="{D42A27DB-BD31-4B8C-83A1-F6EECF244321}">
+                <p14:modId xmlns:p14="http://schemas.microsoft.com/office/powerpoint/2010/main" val="2352059104"/>
+              </p:ext>
+            </p:extLst>
+          </p:nvPr>
+        </p:nvGraphicFramePr>
+        <p:xfrm>
+          <a:off x="2398644" y="1298714"/>
+          <a:ext cx="7325374" cy="4930280"/>
+        </p:xfrm>
+        <a:graphic>
+          <a:graphicData uri="http://schemas.openxmlformats.org/drawingml/2006/table">
+            <a:tbl>
+              <a:tblPr firstRow="1" firstCol="1" bandRow="1">
+                <a:tableStyleId>{9DCAF9ED-07DC-4A11-8D7F-57B35C25682E}</a:tableStyleId>
+              </a:tblPr>
+              <a:tblGrid>
+                <a:gridCol w="7325374">
+                  <a:extLst>
+                    <a:ext uri="{9D8B030D-6E8A-4147-A177-3AD203B41FA5}">
+                      <a16:colId xmlns:a16="http://schemas.microsoft.com/office/drawing/2014/main" val="3239137971"/>
+                    </a:ext>
+                  </a:extLst>
+                </a:gridCol>
+              </a:tblGrid>
+              <a:tr h="225759">
+                <a:tc>
+                  <a:txBody>
+                    <a:bodyPr/>
+                    <a:lstStyle/>
+                    <a:p>
+                      <a:pPr>
+                        <a:lnSpc>
+                          <a:spcPts val="1200"/>
+                        </a:lnSpc>
+                        <a:spcAft>
+                          <a:spcPts val="0"/>
+                        </a:spcAft>
+                      </a:pPr>
+                      <a:r>
+                        <a:rPr lang="pt-BR" sz="1600" dirty="0">
+                          <a:effectLst/>
+                        </a:rPr>
+                        <a:t>Caso de Uso: Preparar Pedido</a:t>
+                      </a:r>
+                      <a:endParaRPr lang="en-US" sz="1600" dirty="0">
+                        <a:effectLst/>
+                        <a:latin typeface="Times" panose="02020603050405020304" pitchFamily="18" charset="0"/>
+                        <a:ea typeface="Times New Roman" panose="02020603050405020304" pitchFamily="18" charset="0"/>
+                      </a:endParaRPr>
+                    </a:p>
+                  </a:txBody>
+                  <a:tcPr marL="68580" marR="68580" marT="0" marB="0" anchor="ctr"/>
+                </a:tc>
+                <a:extLst>
+                  <a:ext uri="{0D108BD9-81ED-4DB2-BD59-A6C34878D82A}">
+                    <a16:rowId xmlns:a16="http://schemas.microsoft.com/office/drawing/2014/main" val="876718355"/>
+                  </a:ext>
+                </a:extLst>
+              </a:tr>
+              <a:tr h="225759">
+                <a:tc>
+                  <a:txBody>
+                    <a:bodyPr/>
+                    <a:lstStyle/>
+                    <a:p>
+                      <a:pPr>
+                        <a:lnSpc>
+                          <a:spcPts val="1200"/>
+                        </a:lnSpc>
+                        <a:spcAft>
+                          <a:spcPts val="0"/>
+                        </a:spcAft>
+                      </a:pPr>
+                      <a:r>
+                        <a:rPr lang="pt-BR" sz="1600">
+                          <a:effectLst/>
+                        </a:rPr>
+                        <a:t>Identificação: C8</a:t>
+                      </a:r>
+                      <a:endParaRPr lang="en-US" sz="1600">
+                        <a:effectLst/>
+                        <a:latin typeface="Times" panose="02020603050405020304" pitchFamily="18" charset="0"/>
+                        <a:ea typeface="Times New Roman" panose="02020603050405020304" pitchFamily="18" charset="0"/>
+                      </a:endParaRPr>
+                    </a:p>
+                  </a:txBody>
+                  <a:tcPr marL="68580" marR="68580" marT="0" marB="0" anchor="ctr"/>
+                </a:tc>
+                <a:extLst>
+                  <a:ext uri="{0D108BD9-81ED-4DB2-BD59-A6C34878D82A}">
+                    <a16:rowId xmlns:a16="http://schemas.microsoft.com/office/drawing/2014/main" val="1580223912"/>
+                  </a:ext>
+                </a:extLst>
+              </a:tr>
+              <a:tr h="873699">
+                <a:tc>
+                  <a:txBody>
+                    <a:bodyPr/>
+                    <a:lstStyle/>
+                    <a:p>
+                      <a:pPr>
+                        <a:lnSpc>
+                          <a:spcPts val="1200"/>
+                        </a:lnSpc>
+                        <a:spcAft>
+                          <a:spcPts val="0"/>
+                        </a:spcAft>
+                      </a:pPr>
+                      <a:r>
+                        <a:rPr lang="pt-BR" sz="1600" dirty="0">
+                          <a:effectLst/>
+                        </a:rPr>
+                        <a:t>Descrição:  Os pedidos serão acompanhados pela cozinha por uma tela que mostrará quais são os itens que estão sendo pedidos, e seu status, como “em andamento” ou “pendente”, e também o tempo de preparo para cada item e se o pedido é para entrega </a:t>
+                      </a:r>
+                      <a:endParaRPr lang="en-US" sz="1600" dirty="0">
+                        <a:effectLst/>
+                        <a:latin typeface="Times" panose="02020603050405020304" pitchFamily="18" charset="0"/>
+                        <a:ea typeface="Times New Roman" panose="02020603050405020304" pitchFamily="18" charset="0"/>
+                      </a:endParaRPr>
+                    </a:p>
+                  </a:txBody>
+                  <a:tcPr marL="68580" marR="68580" marT="0" marB="0" anchor="ctr"/>
+                </a:tc>
+                <a:extLst>
+                  <a:ext uri="{0D108BD9-81ED-4DB2-BD59-A6C34878D82A}">
+                    <a16:rowId xmlns:a16="http://schemas.microsoft.com/office/drawing/2014/main" val="842753867"/>
+                  </a:ext>
+                </a:extLst>
+              </a:tr>
+              <a:tr h="225759">
+                <a:tc>
+                  <a:txBody>
+                    <a:bodyPr/>
+                    <a:lstStyle/>
+                    <a:p>
+                      <a:pPr>
+                        <a:lnSpc>
+                          <a:spcPts val="1200"/>
+                        </a:lnSpc>
+                        <a:spcAft>
+                          <a:spcPts val="0"/>
+                        </a:spcAft>
+                      </a:pPr>
+                      <a:r>
+                        <a:rPr lang="pt-BR" sz="1600">
+                          <a:effectLst/>
+                        </a:rPr>
+                        <a:t>Ator(es): Cozinheira</a:t>
+                      </a:r>
+                      <a:endParaRPr lang="en-US" sz="1600">
+                        <a:effectLst/>
+                        <a:latin typeface="Times" panose="02020603050405020304" pitchFamily="18" charset="0"/>
+                        <a:ea typeface="Times New Roman" panose="02020603050405020304" pitchFamily="18" charset="0"/>
+                      </a:endParaRPr>
+                    </a:p>
+                  </a:txBody>
+                  <a:tcPr marL="68580" marR="68580" marT="0" marB="0" anchor="ctr"/>
+                </a:tc>
+                <a:extLst>
+                  <a:ext uri="{0D108BD9-81ED-4DB2-BD59-A6C34878D82A}">
+                    <a16:rowId xmlns:a16="http://schemas.microsoft.com/office/drawing/2014/main" val="1172072792"/>
+                  </a:ext>
+                </a:extLst>
+              </a:tr>
+              <a:tr h="225759">
+                <a:tc>
+                  <a:txBody>
+                    <a:bodyPr/>
+                    <a:lstStyle/>
+                    <a:p>
+                      <a:pPr>
+                        <a:lnSpc>
+                          <a:spcPts val="1200"/>
+                        </a:lnSpc>
+                        <a:spcAft>
+                          <a:spcPts val="0"/>
+                        </a:spcAft>
+                      </a:pPr>
+                      <a:r>
+                        <a:rPr lang="pt-BR" sz="1600">
+                          <a:effectLst/>
+                        </a:rPr>
+                        <a:t>Pré-Condição: Pedido solicitado pelo garçom</a:t>
+                      </a:r>
+                      <a:endParaRPr lang="en-US" sz="1600">
+                        <a:effectLst/>
+                        <a:latin typeface="Times" panose="02020603050405020304" pitchFamily="18" charset="0"/>
+                        <a:ea typeface="Times New Roman" panose="02020603050405020304" pitchFamily="18" charset="0"/>
+                      </a:endParaRPr>
+                    </a:p>
+                  </a:txBody>
+                  <a:tcPr marL="68580" marR="68580" marT="0" marB="0" anchor="ctr"/>
+                </a:tc>
+                <a:extLst>
+                  <a:ext uri="{0D108BD9-81ED-4DB2-BD59-A6C34878D82A}">
+                    <a16:rowId xmlns:a16="http://schemas.microsoft.com/office/drawing/2014/main" val="160356565"/>
+                  </a:ext>
+                </a:extLst>
+              </a:tr>
+              <a:tr h="432245">
+                <a:tc>
+                  <a:txBody>
+                    <a:bodyPr/>
+                    <a:lstStyle/>
+                    <a:p>
+                      <a:pPr>
+                        <a:lnSpc>
+                          <a:spcPts val="1200"/>
+                        </a:lnSpc>
+                        <a:spcAft>
+                          <a:spcPts val="0"/>
+                        </a:spcAft>
+                      </a:pPr>
+                      <a:r>
+                        <a:rPr lang="pt-BR" sz="1600">
+                          <a:effectLst/>
+                        </a:rPr>
+                        <a:t>Pós-Condição: O garçom deverá fazer a entrega do pedido no salão ou o entregador deverá entregar o pedido para o cliente</a:t>
+                      </a:r>
+                      <a:endParaRPr lang="en-US" sz="1600">
+                        <a:effectLst/>
+                        <a:latin typeface="Times" panose="02020603050405020304" pitchFamily="18" charset="0"/>
+                        <a:ea typeface="Times New Roman" panose="02020603050405020304" pitchFamily="18" charset="0"/>
+                      </a:endParaRPr>
+                    </a:p>
+                  </a:txBody>
+                  <a:tcPr marL="68580" marR="68580" marT="0" marB="0" anchor="ctr"/>
+                </a:tc>
+                <a:extLst>
+                  <a:ext uri="{0D108BD9-81ED-4DB2-BD59-A6C34878D82A}">
+                    <a16:rowId xmlns:a16="http://schemas.microsoft.com/office/drawing/2014/main" val="1988419131"/>
+                  </a:ext>
+                </a:extLst>
+              </a:tr>
+              <a:tr h="2495541">
+                <a:tc>
+                  <a:txBody>
+                    <a:bodyPr/>
+                    <a:lstStyle/>
+                    <a:p>
+                      <a:pPr>
+                        <a:lnSpc>
+                          <a:spcPts val="1200"/>
+                        </a:lnSpc>
+                        <a:spcAft>
+                          <a:spcPts val="0"/>
+                        </a:spcAft>
+                      </a:pPr>
+                      <a:r>
+                        <a:rPr lang="pt-BR" sz="1600" dirty="0">
+                          <a:effectLst/>
+                        </a:rPr>
+                        <a:t>Curso Normal: </a:t>
+                      </a:r>
+                      <a:endParaRPr lang="en-US" sz="1600" dirty="0">
+                        <a:effectLst/>
+                      </a:endParaRPr>
+                    </a:p>
+                    <a:p>
+                      <a:pPr marL="342900" lvl="0" indent="-342900">
+                        <a:lnSpc>
+                          <a:spcPct val="106000"/>
+                        </a:lnSpc>
+                        <a:spcAft>
+                          <a:spcPts val="0"/>
+                        </a:spcAft>
+                        <a:buFont typeface="+mj-lt"/>
+                        <a:buAutoNum type="arabicPeriod"/>
+                      </a:pPr>
+                      <a:r>
+                        <a:rPr lang="pt-BR" sz="1600" dirty="0">
+                          <a:effectLst/>
+                        </a:rPr>
+                        <a:t>A cozinheira irá acessar o sistema com seu usuário e senha</a:t>
+                      </a:r>
+                      <a:endParaRPr lang="en-US" sz="1400" dirty="0">
+                        <a:effectLst/>
+                      </a:endParaRPr>
+                    </a:p>
+                    <a:p>
+                      <a:pPr marL="342900" lvl="0" indent="-342900">
+                        <a:lnSpc>
+                          <a:spcPct val="106000"/>
+                        </a:lnSpc>
+                        <a:spcAft>
+                          <a:spcPts val="0"/>
+                        </a:spcAft>
+                        <a:buFont typeface="+mj-lt"/>
+                        <a:buAutoNum type="arabicPeriod"/>
+                      </a:pPr>
+                      <a:r>
+                        <a:rPr lang="pt-BR" sz="1600" dirty="0">
+                          <a:effectLst/>
+                        </a:rPr>
+                        <a:t>Irá acessar o menu de “acompanhamento de pedido”</a:t>
+                      </a:r>
+                      <a:endParaRPr lang="en-US" sz="1400" dirty="0">
+                        <a:effectLst/>
+                      </a:endParaRPr>
+                    </a:p>
+                    <a:p>
+                      <a:pPr marL="342900" lvl="0" indent="-342900">
+                        <a:lnSpc>
+                          <a:spcPct val="106000"/>
+                        </a:lnSpc>
+                        <a:spcAft>
+                          <a:spcPts val="0"/>
+                        </a:spcAft>
+                        <a:buFont typeface="+mj-lt"/>
+                        <a:buAutoNum type="arabicPeriod"/>
+                      </a:pPr>
+                      <a:r>
+                        <a:rPr lang="pt-BR" sz="1600" dirty="0">
+                          <a:effectLst/>
+                        </a:rPr>
+                        <a:t>Na tela exibida a cozinheira poderá acompanhar os pedidos que estão em pendência e os pedidos que estão em andamento</a:t>
+                      </a:r>
+                      <a:endParaRPr lang="en-US" sz="1400" dirty="0">
+                        <a:effectLst/>
+                      </a:endParaRPr>
+                    </a:p>
+                    <a:p>
+                      <a:pPr marL="342900" lvl="0" indent="-342900">
+                        <a:lnSpc>
+                          <a:spcPct val="106000"/>
+                        </a:lnSpc>
+                        <a:spcAft>
+                          <a:spcPts val="0"/>
+                        </a:spcAft>
+                        <a:buFont typeface="+mj-lt"/>
+                        <a:buAutoNum type="arabicPeriod"/>
+                      </a:pPr>
+                      <a:r>
+                        <a:rPr lang="pt-BR" sz="1600" dirty="0">
+                          <a:effectLst/>
+                        </a:rPr>
+                        <a:t>Quando o item está com o status de pendente, a cozinheira poderá clicar no botão “Iniciar Preparo” para informar ao sistema que o prato começou a ser preparado</a:t>
+                      </a:r>
+                      <a:endParaRPr lang="en-US" sz="1400" dirty="0">
+                        <a:effectLst/>
+                      </a:endParaRPr>
+                    </a:p>
+                    <a:p>
+                      <a:pPr marL="342900" lvl="0" indent="-342900">
+                        <a:lnSpc>
+                          <a:spcPct val="106000"/>
+                        </a:lnSpc>
+                        <a:spcAft>
+                          <a:spcPts val="0"/>
+                        </a:spcAft>
+                        <a:buFont typeface="+mj-lt"/>
+                        <a:buAutoNum type="arabicPeriod"/>
+                      </a:pPr>
+                      <a:r>
+                        <a:rPr lang="pt-BR" sz="1600" dirty="0">
+                          <a:effectLst/>
+                        </a:rPr>
+                        <a:t>Ao finalizar o preparo do prato a cozinheira clicará no botão “Finalizar Pedido”</a:t>
+                      </a:r>
+                      <a:endParaRPr lang="en-US" sz="1400" dirty="0">
+                        <a:effectLst/>
+                        <a:latin typeface="Calibri" panose="020F0502020204030204" pitchFamily="34" charset="0"/>
+                        <a:ea typeface="Calibri" panose="020F0502020204030204" pitchFamily="34" charset="0"/>
+                        <a:cs typeface="Times New Roman" panose="02020603050405020304" pitchFamily="18" charset="0"/>
+                      </a:endParaRPr>
+                    </a:p>
+                  </a:txBody>
+                  <a:tcPr marL="68580" marR="68580" marT="0" marB="0" anchor="ctr"/>
+                </a:tc>
+                <a:extLst>
+                  <a:ext uri="{0D108BD9-81ED-4DB2-BD59-A6C34878D82A}">
+                    <a16:rowId xmlns:a16="http://schemas.microsoft.com/office/drawing/2014/main" val="1758863153"/>
+                  </a:ext>
+                </a:extLst>
+              </a:tr>
+              <a:tr h="225759">
+                <a:tc>
+                  <a:txBody>
+                    <a:bodyPr/>
+                    <a:lstStyle/>
+                    <a:p>
+                      <a:pPr>
+                        <a:lnSpc>
+                          <a:spcPts val="1200"/>
+                        </a:lnSpc>
+                        <a:spcAft>
+                          <a:spcPts val="0"/>
+                        </a:spcAft>
+                      </a:pPr>
+                      <a:r>
+                        <a:rPr lang="pt-BR" sz="1600" dirty="0">
+                          <a:effectLst/>
+                        </a:rPr>
+                        <a:t>Tratamento de Exceções: Não e aplica</a:t>
+                      </a:r>
+                      <a:endParaRPr lang="en-US" sz="1600" dirty="0">
+                        <a:effectLst/>
+                        <a:latin typeface="Times" panose="02020603050405020304" pitchFamily="18" charset="0"/>
+                        <a:ea typeface="Times New Roman" panose="02020603050405020304" pitchFamily="18" charset="0"/>
+                      </a:endParaRPr>
+                    </a:p>
+                  </a:txBody>
+                  <a:tcPr marL="68580" marR="68580" marT="0" marB="0" anchor="ctr"/>
+                </a:tc>
+                <a:extLst>
+                  <a:ext uri="{0D108BD9-81ED-4DB2-BD59-A6C34878D82A}">
+                    <a16:rowId xmlns:a16="http://schemas.microsoft.com/office/drawing/2014/main" val="2852574654"/>
+                  </a:ext>
+                </a:extLst>
+              </a:tr>
+            </a:tbl>
+          </a:graphicData>
+        </a:graphic>
+      </p:graphicFrame>
+    </p:spTree>
+    <p:extLst>
+      <p:ext uri="{BB962C8B-B14F-4D97-AF65-F5344CB8AC3E}">
+        <p14:creationId xmlns:p14="http://schemas.microsoft.com/office/powerpoint/2010/main" val="2411224455"/>
+      </p:ext>
+    </p:extLst>
+  </p:cSld>
+  <p:clrMapOvr>
+    <a:masterClrMapping/>
+  </p:clrMapOvr>
+</p:sld>
+</file>
+
+<file path=ppt/slides/slide31.xml><?xml version="1.0" encoding="utf-8"?>
 <p:sld xmlns:a="http://schemas.openxmlformats.org/drawingml/2006/main" xmlns:r="http://schemas.openxmlformats.org/officeDocument/2006/relationships" xmlns:p="http://schemas.openxmlformats.org/presentationml/2006/main">
   <p:cSld>
     <p:spTree>
@@ -8889,7 +12778,7 @@
 </p:sld>
 </file>
 
-<file path=ppt/slides/slide25.xml><?xml version="1.0" encoding="utf-8"?>
+<file path=ppt/slides/slide32.xml><?xml version="1.0" encoding="utf-8"?>
 <p:sld xmlns:a="http://schemas.openxmlformats.org/drawingml/2006/main" xmlns:r="http://schemas.openxmlformats.org/officeDocument/2006/relationships" xmlns:p="http://schemas.openxmlformats.org/presentationml/2006/main">
   <p:cSld>
     <p:spTree>
@@ -9313,7 +13202,7 @@
 </p:sld>
 </file>
 
-<file path=ppt/slides/slide26.xml><?xml version="1.0" encoding="utf-8"?>
+<file path=ppt/slides/slide33.xml><?xml version="1.0" encoding="utf-8"?>
 <p:sld xmlns:a="http://schemas.openxmlformats.org/drawingml/2006/main" xmlns:r="http://schemas.openxmlformats.org/officeDocument/2006/relationships" xmlns:p="http://schemas.openxmlformats.org/presentationml/2006/main">
   <p:cSld>
     <p:spTree>
@@ -9372,7 +13261,7 @@
 </p:sld>
 </file>
 
-<file path=ppt/slides/slide27.xml><?xml version="1.0" encoding="utf-8"?>
+<file path=ppt/slides/slide34.xml><?xml version="1.0" encoding="utf-8"?>
 <p:sld xmlns:a="http://schemas.openxmlformats.org/drawingml/2006/main" xmlns:r="http://schemas.openxmlformats.org/officeDocument/2006/relationships" xmlns:p="http://schemas.openxmlformats.org/presentationml/2006/main">
   <p:cSld>
     <p:spTree>
@@ -9512,7 +13401,7 @@
 </p:sld>
 </file>
 
-<file path=ppt/slides/slide28.xml><?xml version="1.0" encoding="utf-8"?>
+<file path=ppt/slides/slide35.xml><?xml version="1.0" encoding="utf-8"?>
 <p:sld xmlns:a="http://schemas.openxmlformats.org/drawingml/2006/main" xmlns:r="http://schemas.openxmlformats.org/officeDocument/2006/relationships" xmlns:p="http://schemas.openxmlformats.org/presentationml/2006/main">
   <p:cSld>
     <p:spTree>
@@ -9583,160 +13472,6 @@
     <p:extLst>
       <p:ext uri="{BB962C8B-B14F-4D97-AF65-F5344CB8AC3E}">
         <p14:creationId xmlns:p14="http://schemas.microsoft.com/office/powerpoint/2010/main" val="1537916204"/>
-      </p:ext>
-    </p:extLst>
-  </p:cSld>
-  <p:clrMapOvr>
-    <a:masterClrMapping/>
-  </p:clrMapOvr>
-</p:sld>
-</file>
-
-<file path=ppt/slides/slide3.xml><?xml version="1.0" encoding="utf-8"?>
-<p:sld xmlns:a="http://schemas.openxmlformats.org/drawingml/2006/main" xmlns:r="http://schemas.openxmlformats.org/officeDocument/2006/relationships" xmlns:p="http://schemas.openxmlformats.org/presentationml/2006/main">
-  <p:cSld>
-    <p:spTree>
-      <p:nvGrpSpPr>
-        <p:cNvPr id="1" name=""/>
-        <p:cNvGrpSpPr/>
-        <p:nvPr/>
-      </p:nvGrpSpPr>
-      <p:grpSpPr>
-        <a:xfrm>
-          <a:off x="0" y="0"/>
-          <a:ext cx="0" cy="0"/>
-          <a:chOff x="0" y="0"/>
-          <a:chExt cx="0" cy="0"/>
-        </a:xfrm>
-      </p:grpSpPr>
-      <p:sp>
-        <p:nvSpPr>
-          <p:cNvPr id="2" name="Título 1"/>
-          <p:cNvSpPr>
-            <a:spLocks noGrp="1"/>
-          </p:cNvSpPr>
-          <p:nvPr>
-            <p:ph type="title"/>
-          </p:nvPr>
-        </p:nvSpPr>
-        <p:spPr/>
-        <p:txBody>
-          <a:bodyPr/>
-          <a:lstStyle/>
-          <a:p>
-            <a:r>
-              <a:rPr lang="pt-BR" b="1" dirty="0"/>
-              <a:t>Requisitos Funcionais</a:t>
-            </a:r>
-            <a:endParaRPr lang="en-US" b="1" dirty="0"/>
-          </a:p>
-        </p:txBody>
-      </p:sp>
-      <p:sp>
-        <p:nvSpPr>
-          <p:cNvPr id="3" name="Espaço Reservado para Conteúdo 2"/>
-          <p:cNvSpPr>
-            <a:spLocks noGrp="1"/>
-          </p:cNvSpPr>
-          <p:nvPr>
-            <p:ph idx="1"/>
-          </p:nvPr>
-        </p:nvSpPr>
-        <p:spPr/>
-        <p:txBody>
-          <a:bodyPr>
-            <a:normAutofit/>
-          </a:bodyPr>
-          <a:lstStyle/>
-          <a:p>
-            <a:pPr marL="354330" indent="-285750">
-              <a:spcBef>
-                <a:spcPts val="200"/>
-              </a:spcBef>
-              <a:spcAft>
-                <a:spcPts val="400"/>
-              </a:spcAft>
-              <a:buFont typeface="Arial" panose="020B0604020202020204" pitchFamily="34" charset="0"/>
-              <a:buChar char="•"/>
-            </a:pPr>
-            <a:r>
-              <a:rPr lang="pt-BR" sz="2800" b="1" dirty="0"/>
-              <a:t>FUNC001 Gerenciamento Funcionários</a:t>
-            </a:r>
-          </a:p>
-          <a:p>
-            <a:pPr lvl="2">
-              <a:buFont typeface="Arial" panose="020B0604020202020204" pitchFamily="34" charset="0"/>
-              <a:buChar char="•"/>
-            </a:pPr>
-            <a:r>
-              <a:rPr lang="pt-BR" sz="2400" dirty="0"/>
-              <a:t>RF001 Gerenciamento de Funcionário</a:t>
-            </a:r>
-          </a:p>
-          <a:p>
-            <a:pPr lvl="3"/>
-            <a:r>
-              <a:rPr lang="pt-BR" sz="1800" dirty="0"/>
-              <a:t>Cadastro de dados pessoais obrigatórios: [CPF, Nome, Cidade, Endereço, Complemento, Bairro, CEP, Data de Nascimento, Telefone Celular] e opcional [Telefone Residencial].</a:t>
-            </a:r>
-            <a:endParaRPr lang="en-US" sz="1800" dirty="0"/>
-          </a:p>
-          <a:p>
-            <a:pPr lvl="3"/>
-            <a:r>
-              <a:rPr lang="pt-BR" sz="1800" dirty="0"/>
-              <a:t>Cadastro de dados funcionais obrigatórios: [Data de Admissão, Perfil (garçom, cozinheiro ou gerente), PIS, Salário, Status (ativo ou inativo) e Comissão] e opcional no momento do cadastro [Data de Demissão]</a:t>
-            </a:r>
-          </a:p>
-          <a:p>
-            <a:pPr lvl="3"/>
-            <a:endParaRPr lang="pt-BR" sz="1800" dirty="0"/>
-          </a:p>
-          <a:p>
-            <a:pPr lvl="2">
-              <a:buFont typeface="Arial" panose="020B0604020202020204" pitchFamily="34" charset="0"/>
-              <a:buChar char="•"/>
-            </a:pPr>
-            <a:endParaRPr lang="en-US" sz="2400" dirty="0"/>
-          </a:p>
-          <a:p>
-            <a:pPr>
-              <a:buFont typeface="Arial" panose="020B0604020202020204" pitchFamily="34" charset="0"/>
-              <a:buChar char="•"/>
-            </a:pPr>
-            <a:endParaRPr lang="en-US" dirty="0"/>
-          </a:p>
-        </p:txBody>
-      </p:sp>
-      <p:pic>
-        <p:nvPicPr>
-          <p:cNvPr id="4" name="Imagem 3"/>
-          <p:cNvPicPr>
-            <a:picLocks noChangeAspect="1"/>
-          </p:cNvPicPr>
-          <p:nvPr/>
-        </p:nvPicPr>
-        <p:blipFill>
-          <a:blip r:embed="rId2"/>
-          <a:stretch>
-            <a:fillRect/>
-          </a:stretch>
-        </p:blipFill>
-        <p:spPr>
-          <a:xfrm>
-            <a:off x="10053496" y="792730"/>
-            <a:ext cx="998817" cy="998817"/>
-          </a:xfrm>
-          <a:prstGeom prst="rect">
-            <a:avLst/>
-          </a:prstGeom>
-        </p:spPr>
-      </p:pic>
-    </p:spTree>
-    <p:extLst>
-      <p:ext uri="{BB962C8B-B14F-4D97-AF65-F5344CB8AC3E}">
-        <p14:creationId xmlns:p14="http://schemas.microsoft.com/office/powerpoint/2010/main" val="3570725611"/>
       </p:ext>
     </p:extLst>
   </p:cSld>
